--- a/Draft/Figures.pptx
+++ b/Draft/Figures.pptx
@@ -5,7 +5,7 @@
     <p:sldMasterId id="2147483648" r:id="rId1"/>
   </p:sldMasterIdLst>
   <p:notesMasterIdLst>
-    <p:notesMasterId r:id="rId10"/>
+    <p:notesMasterId r:id="rId14"/>
   </p:notesMasterIdLst>
   <p:sldIdLst>
     <p:sldId id="257" r:id="rId2"/>
@@ -16,6 +16,10 @@
     <p:sldId id="262" r:id="rId7"/>
     <p:sldId id="261" r:id="rId8"/>
     <p:sldId id="264" r:id="rId9"/>
+    <p:sldId id="265" r:id="rId10"/>
+    <p:sldId id="266" r:id="rId11"/>
+    <p:sldId id="267" r:id="rId12"/>
+    <p:sldId id="268" r:id="rId13"/>
   </p:sldIdLst>
   <p:sldSz cx="12192000" cy="6858000"/>
   <p:notesSz cx="6858000" cy="9144000"/>
@@ -114,6 +118,11 @@
       </a:defRPr>
     </a:lvl9pPr>
   </p:defaultTextStyle>
+  <p:extLst>
+    <p:ext uri="{EFAFB233-063F-42B5-8137-9DF3F51BA10A}">
+      <p15:sldGuideLst xmlns:p15="http://schemas.microsoft.com/office/powerpoint/2012/main"/>
+    </p:ext>
+  </p:extLst>
 </p:presentation>
 </file>
 
@@ -199,7 +208,7 @@
           <a:p>
             <a:fld id="{204C29BE-7831-6B44-A133-1B10F9D58B59}" type="datetimeFigureOut">
               <a:rPr lang="en-US" smtClean="0"/>
-              <a:t>5/15/17</a:t>
+              <a:t>7/19/17</a:t>
             </a:fld>
             <a:endParaRPr lang="en-US"/>
           </a:p>
@@ -682,7 +691,7 @@
           <a:p>
             <a:fld id="{1D3A6097-981C-E64D-9F31-8D40AF8D4830}" type="datetimeFigureOut">
               <a:rPr lang="en-US" smtClean="0"/>
-              <a:t>5/15/17</a:t>
+              <a:t>7/19/17</a:t>
             </a:fld>
             <a:endParaRPr lang="en-US"/>
           </a:p>
@@ -852,7 +861,7 @@
           <a:p>
             <a:fld id="{1D3A6097-981C-E64D-9F31-8D40AF8D4830}" type="datetimeFigureOut">
               <a:rPr lang="en-US" smtClean="0"/>
-              <a:t>5/15/17</a:t>
+              <a:t>7/19/17</a:t>
             </a:fld>
             <a:endParaRPr lang="en-US"/>
           </a:p>
@@ -1032,7 +1041,7 @@
           <a:p>
             <a:fld id="{1D3A6097-981C-E64D-9F31-8D40AF8D4830}" type="datetimeFigureOut">
               <a:rPr lang="en-US" smtClean="0"/>
-              <a:t>5/15/17</a:t>
+              <a:t>7/19/17</a:t>
             </a:fld>
             <a:endParaRPr lang="en-US"/>
           </a:p>
@@ -1202,7 +1211,7 @@
           <a:p>
             <a:fld id="{1D3A6097-981C-E64D-9F31-8D40AF8D4830}" type="datetimeFigureOut">
               <a:rPr lang="en-US" smtClean="0"/>
-              <a:t>5/15/17</a:t>
+              <a:t>7/19/17</a:t>
             </a:fld>
             <a:endParaRPr lang="en-US"/>
           </a:p>
@@ -1448,7 +1457,7 @@
           <a:p>
             <a:fld id="{1D3A6097-981C-E64D-9F31-8D40AF8D4830}" type="datetimeFigureOut">
               <a:rPr lang="en-US" smtClean="0"/>
-              <a:t>5/15/17</a:t>
+              <a:t>7/19/17</a:t>
             </a:fld>
             <a:endParaRPr lang="en-US"/>
           </a:p>
@@ -1680,7 +1689,7 @@
           <a:p>
             <a:fld id="{1D3A6097-981C-E64D-9F31-8D40AF8D4830}" type="datetimeFigureOut">
               <a:rPr lang="en-US" smtClean="0"/>
-              <a:t>5/15/17</a:t>
+              <a:t>7/19/17</a:t>
             </a:fld>
             <a:endParaRPr lang="en-US"/>
           </a:p>
@@ -2047,7 +2056,7 @@
           <a:p>
             <a:fld id="{1D3A6097-981C-E64D-9F31-8D40AF8D4830}" type="datetimeFigureOut">
               <a:rPr lang="en-US" smtClean="0"/>
-              <a:t>5/15/17</a:t>
+              <a:t>7/19/17</a:t>
             </a:fld>
             <a:endParaRPr lang="en-US"/>
           </a:p>
@@ -2165,7 +2174,7 @@
           <a:p>
             <a:fld id="{1D3A6097-981C-E64D-9F31-8D40AF8D4830}" type="datetimeFigureOut">
               <a:rPr lang="en-US" smtClean="0"/>
-              <a:t>5/15/17</a:t>
+              <a:t>7/19/17</a:t>
             </a:fld>
             <a:endParaRPr lang="en-US"/>
           </a:p>
@@ -2260,7 +2269,7 @@
           <a:p>
             <a:fld id="{1D3A6097-981C-E64D-9F31-8D40AF8D4830}" type="datetimeFigureOut">
               <a:rPr lang="en-US" smtClean="0"/>
-              <a:t>5/15/17</a:t>
+              <a:t>7/19/17</a:t>
             </a:fld>
             <a:endParaRPr lang="en-US"/>
           </a:p>
@@ -2537,7 +2546,7 @@
           <a:p>
             <a:fld id="{1D3A6097-981C-E64D-9F31-8D40AF8D4830}" type="datetimeFigureOut">
               <a:rPr lang="en-US" smtClean="0"/>
-              <a:t>5/15/17</a:t>
+              <a:t>7/19/17</a:t>
             </a:fld>
             <a:endParaRPr lang="en-US"/>
           </a:p>
@@ -2790,7 +2799,7 @@
           <a:p>
             <a:fld id="{1D3A6097-981C-E64D-9F31-8D40AF8D4830}" type="datetimeFigureOut">
               <a:rPr lang="en-US" smtClean="0"/>
-              <a:t>5/15/17</a:t>
+              <a:t>7/19/17</a:t>
             </a:fld>
             <a:endParaRPr lang="en-US"/>
           </a:p>
@@ -3003,7 +3012,7 @@
           <a:p>
             <a:fld id="{1D3A6097-981C-E64D-9F31-8D40AF8D4830}" type="datetimeFigureOut">
               <a:rPr lang="en-US" smtClean="0"/>
-              <a:t>5/15/17</a:t>
+              <a:t>7/19/17</a:t>
             </a:fld>
             <a:endParaRPr lang="en-US"/>
           </a:p>
@@ -4184,6 +4193,4048 @@
 </p:sld>
 </file>
 
+<file path=ppt/slides/slide10.xml><?xml version="1.0" encoding="utf-8"?>
+<p:sld xmlns:a="http://schemas.openxmlformats.org/drawingml/2006/main" xmlns:r="http://schemas.openxmlformats.org/officeDocument/2006/relationships" xmlns:p="http://schemas.openxmlformats.org/presentationml/2006/main">
+  <p:cSld>
+    <p:spTree>
+      <p:nvGrpSpPr>
+        <p:cNvPr id="1" name=""/>
+        <p:cNvGrpSpPr/>
+        <p:nvPr/>
+      </p:nvGrpSpPr>
+      <p:grpSpPr>
+        <a:xfrm>
+          <a:off x="0" y="0"/>
+          <a:ext cx="0" cy="0"/>
+          <a:chOff x="0" y="0"/>
+          <a:chExt cx="0" cy="0"/>
+        </a:xfrm>
+      </p:grpSpPr>
+      <p:sp>
+        <p:nvSpPr>
+          <p:cNvPr id="4" name="Rectangle 3"/>
+          <p:cNvSpPr/>
+          <p:nvPr/>
+        </p:nvSpPr>
+        <p:spPr>
+          <a:xfrm>
+            <a:off x="1526540" y="1793578"/>
+            <a:ext cx="6733540" cy="830997"/>
+          </a:xfrm>
+          <a:prstGeom prst="rect">
+            <a:avLst/>
+          </a:prstGeom>
+        </p:spPr>
+        <p:txBody>
+          <a:bodyPr wrap="square">
+            <a:spAutoFit/>
+          </a:bodyPr>
+          <a:lstStyle/>
+          <a:p>
+            <a:pPr marL="228600" lvl="0" indent="-228600"/>
+            <a:r>
+              <a:rPr lang="en-US" sz="1200" dirty="0" smtClean="0">
+                <a:latin typeface="Arial" charset="0"/>
+                <a:ea typeface="Arial" charset="0"/>
+                <a:cs typeface="Arial" charset="0"/>
+              </a:rPr>
+              <a:t>                                                                      Initially</a:t>
+            </a:r>
+            <a:r>
+              <a:rPr lang="en-US" sz="1200" dirty="0">
+                <a:latin typeface="Arial" charset="0"/>
+                <a:ea typeface="Arial" charset="0"/>
+                <a:cs typeface="Arial" charset="0"/>
+              </a:rPr>
+              <a:t>, x=y=0; </a:t>
+            </a:r>
+            <a:endParaRPr lang="en-US" sz="1200" dirty="0" smtClean="0">
+              <a:latin typeface="Arial" charset="0"/>
+              <a:ea typeface="Arial" charset="0"/>
+              <a:cs typeface="Arial" charset="0"/>
+            </a:endParaRPr>
+          </a:p>
+          <a:p>
+            <a:pPr marL="228600" lvl="0" indent="-228600"/>
+            <a:r>
+              <a:rPr lang="en-US" sz="1200" dirty="0">
+                <a:latin typeface="Arial" charset="0"/>
+                <a:ea typeface="Arial" charset="0"/>
+                <a:cs typeface="Arial" charset="0"/>
+              </a:rPr>
+              <a:t> </a:t>
+            </a:r>
+            <a:r>
+              <a:rPr lang="en-US" sz="1200" dirty="0" smtClean="0">
+                <a:latin typeface="Arial" charset="0"/>
+                <a:ea typeface="Arial" charset="0"/>
+                <a:cs typeface="Arial" charset="0"/>
+              </a:rPr>
+              <a:t>                               T1                                                                               T2 </a:t>
+            </a:r>
+          </a:p>
+          <a:p>
+            <a:pPr marL="228600" lvl="0" indent="-228600">
+              <a:buAutoNum type="arabicPeriod"/>
+            </a:pPr>
+            <a:r>
+              <a:rPr lang="en-US" sz="1200" dirty="0" smtClean="0">
+                <a:latin typeface="Arial" charset="0"/>
+                <a:ea typeface="Arial" charset="0"/>
+                <a:cs typeface="Arial" charset="0"/>
+              </a:rPr>
+              <a:t>r1 </a:t>
+            </a:r>
+            <a:r>
+              <a:rPr lang="en-US" sz="1200" dirty="0">
+                <a:latin typeface="Arial" charset="0"/>
+                <a:ea typeface="Arial" charset="0"/>
+                <a:cs typeface="Arial" charset="0"/>
+              </a:rPr>
+              <a:t>= </a:t>
+            </a:r>
+            <a:r>
+              <a:rPr lang="en-US" sz="1200" dirty="0" err="1">
+                <a:latin typeface="Arial" charset="0"/>
+                <a:ea typeface="Arial" charset="0"/>
+                <a:cs typeface="Arial" charset="0"/>
+              </a:rPr>
+              <a:t>x.load</a:t>
+            </a:r>
+            <a:r>
+              <a:rPr lang="en-US" sz="1200" dirty="0">
+                <a:latin typeface="Arial" charset="0"/>
+                <a:ea typeface="Arial" charset="0"/>
+                <a:cs typeface="Arial" charset="0"/>
+              </a:rPr>
+              <a:t>(</a:t>
+            </a:r>
+            <a:r>
+              <a:rPr lang="en-US" sz="1200" dirty="0" err="1">
+                <a:latin typeface="Arial" charset="0"/>
+                <a:ea typeface="Arial" charset="0"/>
+                <a:cs typeface="Arial" charset="0"/>
+              </a:rPr>
+              <a:t>memory_order_relaxed</a:t>
+            </a:r>
+            <a:r>
+              <a:rPr lang="en-US" sz="1200" dirty="0">
+                <a:latin typeface="Arial" charset="0"/>
+                <a:ea typeface="Arial" charset="0"/>
+                <a:cs typeface="Arial" charset="0"/>
+              </a:rPr>
+              <a:t>); </a:t>
+            </a:r>
+            <a:r>
+              <a:rPr lang="en-US" sz="1200" dirty="0" smtClean="0">
+                <a:latin typeface="Arial" charset="0"/>
+                <a:ea typeface="Arial" charset="0"/>
+                <a:cs typeface="Arial" charset="0"/>
+              </a:rPr>
+              <a:t>                         3</a:t>
+            </a:r>
+            <a:r>
+              <a:rPr lang="en-US" sz="1200" dirty="0">
+                <a:latin typeface="Arial" charset="0"/>
+                <a:ea typeface="Arial" charset="0"/>
+                <a:cs typeface="Arial" charset="0"/>
+              </a:rPr>
+              <a:t>. r2 = </a:t>
+            </a:r>
+            <a:r>
+              <a:rPr lang="en-US" sz="1200" dirty="0" err="1">
+                <a:latin typeface="Arial" charset="0"/>
+                <a:ea typeface="Arial" charset="0"/>
+                <a:cs typeface="Arial" charset="0"/>
+              </a:rPr>
+              <a:t>y.load</a:t>
+            </a:r>
+            <a:r>
+              <a:rPr lang="en-US" sz="1200" dirty="0">
+                <a:latin typeface="Arial" charset="0"/>
+                <a:ea typeface="Arial" charset="0"/>
+                <a:cs typeface="Arial" charset="0"/>
+              </a:rPr>
+              <a:t>(</a:t>
+            </a:r>
+            <a:r>
+              <a:rPr lang="en-US" sz="1200" dirty="0" err="1">
+                <a:latin typeface="Arial" charset="0"/>
+                <a:ea typeface="Arial" charset="0"/>
+                <a:cs typeface="Arial" charset="0"/>
+              </a:rPr>
+              <a:t>memory_order_relaxed</a:t>
+            </a:r>
+            <a:r>
+              <a:rPr lang="en-US" sz="1200" dirty="0" smtClean="0">
+                <a:latin typeface="Arial" charset="0"/>
+                <a:ea typeface="Arial" charset="0"/>
+                <a:cs typeface="Arial" charset="0"/>
+              </a:rPr>
+              <a:t>);</a:t>
+            </a:r>
+          </a:p>
+          <a:p>
+            <a:pPr marL="228600" lvl="0" indent="-228600">
+              <a:buAutoNum type="arabicPeriod"/>
+            </a:pPr>
+            <a:r>
+              <a:rPr lang="en-US" sz="1200" dirty="0" err="1" smtClean="0">
+                <a:latin typeface="Arial" charset="0"/>
+                <a:ea typeface="Arial" charset="0"/>
+                <a:cs typeface="Arial" charset="0"/>
+              </a:rPr>
+              <a:t>y.store</a:t>
+            </a:r>
+            <a:r>
+              <a:rPr lang="en-US" sz="1200" dirty="0" smtClean="0">
+                <a:latin typeface="Arial" charset="0"/>
+                <a:ea typeface="Arial" charset="0"/>
+                <a:cs typeface="Arial" charset="0"/>
+              </a:rPr>
+              <a:t>(1</a:t>
+            </a:r>
+            <a:r>
+              <a:rPr lang="en-US" sz="1200" dirty="0">
+                <a:latin typeface="Arial" charset="0"/>
+                <a:ea typeface="Arial" charset="0"/>
+                <a:cs typeface="Arial" charset="0"/>
+              </a:rPr>
+              <a:t>, </a:t>
+            </a:r>
+            <a:r>
+              <a:rPr lang="en-US" sz="1200" dirty="0" err="1">
+                <a:latin typeface="Arial" charset="0"/>
+                <a:ea typeface="Arial" charset="0"/>
+                <a:cs typeface="Arial" charset="0"/>
+              </a:rPr>
+              <a:t>memory_order_relaxed</a:t>
+            </a:r>
+            <a:r>
+              <a:rPr lang="en-US" sz="1200" dirty="0">
+                <a:latin typeface="Arial" charset="0"/>
+                <a:ea typeface="Arial" charset="0"/>
+                <a:cs typeface="Arial" charset="0"/>
+              </a:rPr>
+              <a:t>); </a:t>
+            </a:r>
+            <a:r>
+              <a:rPr lang="en-US" sz="1200" dirty="0" smtClean="0">
+                <a:latin typeface="Arial" charset="0"/>
+                <a:ea typeface="Arial" charset="0"/>
+                <a:cs typeface="Arial" charset="0"/>
+              </a:rPr>
+              <a:t>                           4</a:t>
+            </a:r>
+            <a:r>
+              <a:rPr lang="en-US" sz="1200" dirty="0">
+                <a:latin typeface="Arial" charset="0"/>
+                <a:ea typeface="Arial" charset="0"/>
+                <a:cs typeface="Arial" charset="0"/>
+              </a:rPr>
+              <a:t>. </a:t>
+            </a:r>
+            <a:r>
+              <a:rPr lang="en-US" sz="1200" dirty="0" err="1">
+                <a:latin typeface="Arial" charset="0"/>
+                <a:ea typeface="Arial" charset="0"/>
+                <a:cs typeface="Arial" charset="0"/>
+              </a:rPr>
+              <a:t>x.store</a:t>
+            </a:r>
+            <a:r>
+              <a:rPr lang="en-US" sz="1200" dirty="0">
+                <a:latin typeface="Arial" charset="0"/>
+                <a:ea typeface="Arial" charset="0"/>
+                <a:cs typeface="Arial" charset="0"/>
+              </a:rPr>
+              <a:t>(1, </a:t>
+            </a:r>
+            <a:r>
+              <a:rPr lang="en-US" sz="1200" dirty="0" err="1">
+                <a:latin typeface="Arial" charset="0"/>
+                <a:ea typeface="Arial" charset="0"/>
+                <a:cs typeface="Arial" charset="0"/>
+              </a:rPr>
+              <a:t>memory_order_relaxed</a:t>
+            </a:r>
+            <a:r>
+              <a:rPr lang="en-US" sz="1200" dirty="0" smtClean="0">
+                <a:latin typeface="Arial" charset="0"/>
+                <a:ea typeface="Arial" charset="0"/>
+                <a:cs typeface="Arial" charset="0"/>
+              </a:rPr>
+              <a:t>);</a:t>
+            </a:r>
+          </a:p>
+        </p:txBody>
+      </p:sp>
+      <p:sp>
+        <p:nvSpPr>
+          <p:cNvPr id="5" name="Rectangle 4"/>
+          <p:cNvSpPr/>
+          <p:nvPr/>
+        </p:nvSpPr>
+        <p:spPr>
+          <a:xfrm>
+            <a:off x="1526540" y="2980175"/>
+            <a:ext cx="6733540" cy="830997"/>
+          </a:xfrm>
+          <a:prstGeom prst="rect">
+            <a:avLst/>
+          </a:prstGeom>
+        </p:spPr>
+        <p:txBody>
+          <a:bodyPr wrap="square">
+            <a:spAutoFit/>
+          </a:bodyPr>
+          <a:lstStyle/>
+          <a:p>
+            <a:pPr marL="228600" lvl="0" indent="-228600"/>
+            <a:r>
+              <a:rPr lang="en-US" sz="1200" dirty="0" smtClean="0">
+                <a:latin typeface="Arial" charset="0"/>
+                <a:ea typeface="Arial" charset="0"/>
+                <a:cs typeface="Arial" charset="0"/>
+              </a:rPr>
+              <a:t>                                                                      </a:t>
+            </a:r>
+            <a:r>
+              <a:rPr lang="en-US" sz="1200" dirty="0">
+                <a:latin typeface="Arial" charset="0"/>
+                <a:ea typeface="Arial" charset="0"/>
+                <a:cs typeface="Arial" charset="0"/>
+              </a:rPr>
+              <a:t>I</a:t>
+            </a:r>
+            <a:r>
+              <a:rPr lang="en-US" sz="1200" dirty="0" smtClean="0">
+                <a:latin typeface="Arial" charset="0"/>
+                <a:ea typeface="Arial" charset="0"/>
+                <a:cs typeface="Arial" charset="0"/>
+              </a:rPr>
+              <a:t>nitially</a:t>
+            </a:r>
+            <a:r>
+              <a:rPr lang="en-US" sz="1200" dirty="0">
+                <a:latin typeface="Arial" charset="0"/>
+                <a:ea typeface="Arial" charset="0"/>
+                <a:cs typeface="Arial" charset="0"/>
+              </a:rPr>
+              <a:t>, x=y=0; </a:t>
+            </a:r>
+            <a:endParaRPr lang="en-US" sz="1200" dirty="0" smtClean="0">
+              <a:latin typeface="Arial" charset="0"/>
+              <a:ea typeface="Arial" charset="0"/>
+              <a:cs typeface="Arial" charset="0"/>
+            </a:endParaRPr>
+          </a:p>
+          <a:p>
+            <a:pPr marL="228600" lvl="0" indent="-228600"/>
+            <a:r>
+              <a:rPr lang="en-US" sz="1200" dirty="0">
+                <a:latin typeface="Arial" charset="0"/>
+                <a:ea typeface="Arial" charset="0"/>
+                <a:cs typeface="Arial" charset="0"/>
+              </a:rPr>
+              <a:t> </a:t>
+            </a:r>
+            <a:r>
+              <a:rPr lang="en-US" sz="1200" dirty="0" smtClean="0">
+                <a:latin typeface="Arial" charset="0"/>
+                <a:ea typeface="Arial" charset="0"/>
+                <a:cs typeface="Arial" charset="0"/>
+              </a:rPr>
+              <a:t>                               T1                                                                                T2 </a:t>
+            </a:r>
+          </a:p>
+          <a:p>
+            <a:pPr marL="228600" indent="-228600">
+              <a:buFontTx/>
+              <a:buAutoNum type="arabicPeriod"/>
+            </a:pPr>
+            <a:r>
+              <a:rPr lang="en-US" sz="1200" dirty="0">
+                <a:latin typeface="Arial" charset="0"/>
+                <a:ea typeface="Arial" charset="0"/>
+                <a:cs typeface="Arial" charset="0"/>
+              </a:rPr>
+              <a:t>while ((r1 = </a:t>
+            </a:r>
+            <a:r>
+              <a:rPr lang="en-US" sz="1200" dirty="0" err="1">
+                <a:latin typeface="Arial" charset="0"/>
+                <a:ea typeface="Arial" charset="0"/>
+                <a:cs typeface="Arial" charset="0"/>
+              </a:rPr>
+              <a:t>x.load</a:t>
+            </a:r>
+            <a:r>
+              <a:rPr lang="en-US" sz="1200" dirty="0">
+                <a:latin typeface="Arial" charset="0"/>
+                <a:ea typeface="Arial" charset="0"/>
+                <a:cs typeface="Arial" charset="0"/>
+              </a:rPr>
+              <a:t>(</a:t>
+            </a:r>
+            <a:r>
+              <a:rPr lang="en-US" sz="1200" dirty="0" err="1">
+                <a:latin typeface="Arial" charset="0"/>
+                <a:ea typeface="Arial" charset="0"/>
+                <a:cs typeface="Arial" charset="0"/>
+              </a:rPr>
+              <a:t>memory_order_relaxed</a:t>
+            </a:r>
+            <a:r>
+              <a:rPr lang="en-US" sz="1200" dirty="0">
+                <a:latin typeface="Arial" charset="0"/>
+                <a:ea typeface="Arial" charset="0"/>
+                <a:cs typeface="Arial" charset="0"/>
+              </a:rPr>
+              <a:t>)) != 1</a:t>
+            </a:r>
+            <a:r>
+              <a:rPr lang="en-US" sz="1200" dirty="0" smtClean="0">
+                <a:latin typeface="Arial" charset="0"/>
+                <a:ea typeface="Arial" charset="0"/>
+                <a:cs typeface="Arial" charset="0"/>
+              </a:rPr>
+              <a:t>) {};  3</a:t>
+            </a:r>
+            <a:r>
+              <a:rPr lang="en-US" sz="1200" dirty="0">
+                <a:latin typeface="Arial" charset="0"/>
+                <a:ea typeface="Arial" charset="0"/>
+                <a:cs typeface="Arial" charset="0"/>
+              </a:rPr>
+              <a:t>. r2 = </a:t>
+            </a:r>
+            <a:r>
+              <a:rPr lang="en-US" sz="1200" dirty="0" err="1">
+                <a:latin typeface="Arial" charset="0"/>
+                <a:ea typeface="Arial" charset="0"/>
+                <a:cs typeface="Arial" charset="0"/>
+              </a:rPr>
+              <a:t>y.load</a:t>
+            </a:r>
+            <a:r>
+              <a:rPr lang="en-US" sz="1200" dirty="0">
+                <a:latin typeface="Arial" charset="0"/>
+                <a:ea typeface="Arial" charset="0"/>
+                <a:cs typeface="Arial" charset="0"/>
+              </a:rPr>
+              <a:t>(</a:t>
+            </a:r>
+            <a:r>
+              <a:rPr lang="en-US" sz="1200" dirty="0" err="1">
+                <a:latin typeface="Arial" charset="0"/>
+                <a:ea typeface="Arial" charset="0"/>
+                <a:cs typeface="Arial" charset="0"/>
+              </a:rPr>
+              <a:t>memory_order_relaxed</a:t>
+            </a:r>
+            <a:r>
+              <a:rPr lang="en-US" sz="1200" dirty="0" smtClean="0">
+                <a:latin typeface="Arial" charset="0"/>
+                <a:ea typeface="Arial" charset="0"/>
+                <a:cs typeface="Arial" charset="0"/>
+              </a:rPr>
+              <a:t>);</a:t>
+            </a:r>
+          </a:p>
+          <a:p>
+            <a:pPr marL="228600" lvl="0" indent="-228600">
+              <a:buAutoNum type="arabicPeriod"/>
+            </a:pPr>
+            <a:r>
+              <a:rPr lang="en-US" sz="1200" dirty="0" err="1" smtClean="0">
+                <a:latin typeface="Arial" charset="0"/>
+                <a:ea typeface="Arial" charset="0"/>
+                <a:cs typeface="Arial" charset="0"/>
+              </a:rPr>
+              <a:t>y.store</a:t>
+            </a:r>
+            <a:r>
+              <a:rPr lang="en-US" sz="1200" dirty="0" smtClean="0">
+                <a:latin typeface="Arial" charset="0"/>
+                <a:ea typeface="Arial" charset="0"/>
+                <a:cs typeface="Arial" charset="0"/>
+              </a:rPr>
+              <a:t>(2, </a:t>
+            </a:r>
+            <a:r>
+              <a:rPr lang="en-US" sz="1200" dirty="0" err="1">
+                <a:latin typeface="Arial" charset="0"/>
+                <a:ea typeface="Arial" charset="0"/>
+                <a:cs typeface="Arial" charset="0"/>
+              </a:rPr>
+              <a:t>memory_order_relaxed</a:t>
+            </a:r>
+            <a:r>
+              <a:rPr lang="en-US" sz="1200" dirty="0">
+                <a:latin typeface="Arial" charset="0"/>
+                <a:ea typeface="Arial" charset="0"/>
+                <a:cs typeface="Arial" charset="0"/>
+              </a:rPr>
+              <a:t>); </a:t>
+            </a:r>
+            <a:r>
+              <a:rPr lang="en-US" sz="1200" dirty="0" smtClean="0">
+                <a:latin typeface="Arial" charset="0"/>
+                <a:ea typeface="Arial" charset="0"/>
+                <a:cs typeface="Arial" charset="0"/>
+              </a:rPr>
+              <a:t>                            4</a:t>
+            </a:r>
+            <a:r>
+              <a:rPr lang="en-US" sz="1200" dirty="0">
+                <a:latin typeface="Arial" charset="0"/>
+                <a:ea typeface="Arial" charset="0"/>
+                <a:cs typeface="Arial" charset="0"/>
+              </a:rPr>
+              <a:t>. </a:t>
+            </a:r>
+            <a:r>
+              <a:rPr lang="en-US" sz="1200" dirty="0" err="1">
+                <a:latin typeface="Arial" charset="0"/>
+                <a:ea typeface="Arial" charset="0"/>
+                <a:cs typeface="Arial" charset="0"/>
+              </a:rPr>
+              <a:t>x.store</a:t>
+            </a:r>
+            <a:r>
+              <a:rPr lang="en-US" sz="1200" dirty="0">
+                <a:latin typeface="Arial" charset="0"/>
+                <a:ea typeface="Arial" charset="0"/>
+                <a:cs typeface="Arial" charset="0"/>
+              </a:rPr>
+              <a:t>(1, </a:t>
+            </a:r>
+            <a:r>
+              <a:rPr lang="en-US" sz="1200" dirty="0" err="1">
+                <a:latin typeface="Arial" charset="0"/>
+                <a:ea typeface="Arial" charset="0"/>
+                <a:cs typeface="Arial" charset="0"/>
+              </a:rPr>
+              <a:t>memory_order_relaxed</a:t>
+            </a:r>
+            <a:r>
+              <a:rPr lang="en-US" sz="1200" dirty="0">
+                <a:latin typeface="Arial" charset="0"/>
+                <a:ea typeface="Arial" charset="0"/>
+                <a:cs typeface="Arial" charset="0"/>
+              </a:rPr>
+              <a:t>);</a:t>
+            </a:r>
+          </a:p>
+        </p:txBody>
+      </p:sp>
+      <p:sp>
+        <p:nvSpPr>
+          <p:cNvPr id="6" name="TextBox 5"/>
+          <p:cNvSpPr txBox="1"/>
+          <p:nvPr/>
+        </p:nvSpPr>
+        <p:spPr>
+          <a:xfrm>
+            <a:off x="4805680" y="2616955"/>
+            <a:ext cx="538480" cy="276999"/>
+          </a:xfrm>
+          <a:prstGeom prst="rect">
+            <a:avLst/>
+          </a:prstGeom>
+          <a:noFill/>
+        </p:spPr>
+        <p:txBody>
+          <a:bodyPr wrap="square" rtlCol="0">
+            <a:spAutoFit/>
+          </a:bodyPr>
+          <a:lstStyle/>
+          <a:p>
+            <a:r>
+              <a:rPr lang="en-US" sz="1200" b="1" dirty="0" smtClean="0"/>
+              <a:t>(a)</a:t>
+            </a:r>
+            <a:endParaRPr lang="en-US" sz="1200" b="1" dirty="0"/>
+          </a:p>
+        </p:txBody>
+      </p:sp>
+      <p:sp>
+        <p:nvSpPr>
+          <p:cNvPr id="7" name="TextBox 6"/>
+          <p:cNvSpPr txBox="1"/>
+          <p:nvPr/>
+        </p:nvSpPr>
+        <p:spPr>
+          <a:xfrm>
+            <a:off x="4805680" y="3800873"/>
+            <a:ext cx="538480" cy="276999"/>
+          </a:xfrm>
+          <a:prstGeom prst="rect">
+            <a:avLst/>
+          </a:prstGeom>
+          <a:noFill/>
+        </p:spPr>
+        <p:txBody>
+          <a:bodyPr wrap="square" rtlCol="0">
+            <a:spAutoFit/>
+          </a:bodyPr>
+          <a:lstStyle/>
+          <a:p>
+            <a:r>
+              <a:rPr lang="en-US" sz="1200" b="1" dirty="0" smtClean="0"/>
+              <a:t>(b)</a:t>
+            </a:r>
+            <a:endParaRPr lang="en-US" sz="1200" b="1" dirty="0"/>
+          </a:p>
+        </p:txBody>
+      </p:sp>
+    </p:spTree>
+    <p:extLst>
+      <p:ext uri="{BB962C8B-B14F-4D97-AF65-F5344CB8AC3E}">
+        <p14:creationId xmlns:p14="http://schemas.microsoft.com/office/powerpoint/2010/main" val="192461019"/>
+      </p:ext>
+    </p:extLst>
+  </p:cSld>
+  <p:clrMapOvr>
+    <a:masterClrMapping/>
+  </p:clrMapOvr>
+</p:sld>
+</file>
+
+<file path=ppt/slides/slide11.xml><?xml version="1.0" encoding="utf-8"?>
+<p:sld xmlns:a="http://schemas.openxmlformats.org/drawingml/2006/main" xmlns:r="http://schemas.openxmlformats.org/officeDocument/2006/relationships" xmlns:p="http://schemas.openxmlformats.org/presentationml/2006/main">
+  <p:cSld>
+    <p:spTree>
+      <p:nvGrpSpPr>
+        <p:cNvPr id="1" name=""/>
+        <p:cNvGrpSpPr/>
+        <p:nvPr/>
+      </p:nvGrpSpPr>
+      <p:grpSpPr>
+        <a:xfrm>
+          <a:off x="0" y="0"/>
+          <a:ext cx="0" cy="0"/>
+          <a:chOff x="0" y="0"/>
+          <a:chExt cx="0" cy="0"/>
+        </a:xfrm>
+      </p:grpSpPr>
+      <mc:AlternateContent xmlns:mc="http://schemas.openxmlformats.org/markup-compatibility/2006">
+        <mc:Choice xmlns:a14="http://schemas.microsoft.com/office/drawing/2010/main" Requires="a14">
+          <p:sp>
+            <p:nvSpPr>
+              <p:cNvPr id="5" name="Rounded Rectangle 4"/>
+              <p:cNvSpPr/>
+              <p:nvPr/>
+            </p:nvSpPr>
+            <p:spPr>
+              <a:xfrm>
+                <a:off x="2514600" y="327205"/>
+                <a:ext cx="1761565" cy="470647"/>
+              </a:xfrm>
+              <a:prstGeom prst="roundRect">
+                <a:avLst/>
+              </a:prstGeom>
+              <a:noFill/>
+              <a:ln>
+                <a:solidFill>
+                  <a:schemeClr val="tx1"/>
+                </a:solidFill>
+              </a:ln>
+            </p:spPr>
+            <p:style>
+              <a:lnRef idx="2">
+                <a:schemeClr val="accent1">
+                  <a:shade val="50000"/>
+                </a:schemeClr>
+              </a:lnRef>
+              <a:fillRef idx="1">
+                <a:schemeClr val="accent1"/>
+              </a:fillRef>
+              <a:effectRef idx="0">
+                <a:schemeClr val="accent1"/>
+              </a:effectRef>
+              <a:fontRef idx="minor">
+                <a:schemeClr val="lt1"/>
+              </a:fontRef>
+            </p:style>
+            <p:txBody>
+              <a:bodyPr rtlCol="0" anchor="ctr"/>
+              <a:lstStyle/>
+              <a:p>
+                <a:pPr algn="ctr"/>
+                <a:r>
+                  <a:rPr lang="en-US" dirty="0" smtClean="0">
+                    <a:solidFill>
+                      <a:schemeClr val="tx1"/>
+                    </a:solidFill>
+                  </a:rPr>
+                  <a:t>I</a:t>
+                </a:r>
+                <a:r>
+                  <a:rPr lang="en-US" baseline="-25000" dirty="0">
+                    <a:solidFill>
+                      <a:schemeClr val="tx1"/>
+                    </a:solidFill>
+                  </a:rPr>
+                  <a:t>0</a:t>
+                </a:r>
+                <a:r>
+                  <a:rPr lang="en-US" dirty="0">
+                    <a:solidFill>
+                      <a:schemeClr val="tx1"/>
+                    </a:solidFill>
+                  </a:rPr>
+                  <a:t>: </a:t>
+                </a:r>
+                <a14:m>
+                  <m:oMath xmlns:m="http://schemas.openxmlformats.org/officeDocument/2006/math">
+                    <m:r>
+                      <a:rPr lang="en-US" i="1">
+                        <a:solidFill>
+                          <a:schemeClr val="tx1"/>
+                        </a:solidFill>
+                        <a:latin typeface="Cambria Math" charset="0"/>
+                        <a:ea typeface="Cambria Math" charset="0"/>
+                        <a:cs typeface="Cambria Math" charset="0"/>
+                      </a:rPr>
+                      <m:t>∅</m:t>
+                    </m:r>
+                  </m:oMath>
+                </a14:m>
+                <a:r>
+                  <a:rPr lang="en-US" dirty="0" smtClean="0">
+                    <a:solidFill>
+                      <a:schemeClr val="tx1"/>
+                    </a:solidFill>
+                    <a:sym typeface="Wingdings"/>
+                  </a:rPr>
+                  <a:t>  </a:t>
+                </a:r>
+                <a:r>
+                  <a:rPr lang="en-US" dirty="0" smtClean="0">
+                    <a:solidFill>
+                      <a:schemeClr val="tx1"/>
+                    </a:solidFill>
+                  </a:rPr>
+                  <a:t>{0,0}</a:t>
+                </a:r>
+                <a:endParaRPr lang="en-US" dirty="0">
+                  <a:solidFill>
+                    <a:schemeClr val="tx1"/>
+                  </a:solidFill>
+                </a:endParaRPr>
+              </a:p>
+            </p:txBody>
+          </p:sp>
+        </mc:Choice>
+        <mc:Fallback>
+          <p:sp>
+            <p:nvSpPr>
+              <p:cNvPr id="5" name="Rounded Rectangle 4"/>
+              <p:cNvSpPr>
+                <a:spLocks noRot="1" noChangeAspect="1" noMove="1" noResize="1" noEditPoints="1" noAdjustHandles="1" noChangeArrowheads="1" noChangeShapeType="1" noTextEdit="1"/>
+              </p:cNvSpPr>
+              <p:nvPr/>
+            </p:nvSpPr>
+            <p:spPr>
+              <a:xfrm>
+                <a:off x="2514600" y="327205"/>
+                <a:ext cx="1761565" cy="470647"/>
+              </a:xfrm>
+              <a:prstGeom prst="roundRect">
+                <a:avLst/>
+              </a:prstGeom>
+              <a:blipFill rotWithShape="0">
+                <a:blip r:embed="rId2"/>
+                <a:stretch>
+                  <a:fillRect b="-7595"/>
+                </a:stretch>
+              </a:blipFill>
+              <a:ln>
+                <a:solidFill>
+                  <a:schemeClr val="tx1"/>
+                </a:solidFill>
+              </a:ln>
+            </p:spPr>
+            <p:txBody>
+              <a:bodyPr/>
+              <a:lstStyle/>
+              <a:p>
+                <a:r>
+                  <a:rPr lang="en-US">
+                    <a:noFill/>
+                  </a:rPr>
+                  <a:t> </a:t>
+                </a:r>
+              </a:p>
+            </p:txBody>
+          </p:sp>
+        </mc:Fallback>
+      </mc:AlternateContent>
+      <p:sp>
+        <p:nvSpPr>
+          <p:cNvPr id="6" name="Rounded Rectangle 5"/>
+          <p:cNvSpPr/>
+          <p:nvPr/>
+        </p:nvSpPr>
+        <p:spPr>
+          <a:xfrm>
+            <a:off x="1371597" y="1165406"/>
+            <a:ext cx="1882589" cy="470647"/>
+          </a:xfrm>
+          <a:prstGeom prst="roundRect">
+            <a:avLst/>
+          </a:prstGeom>
+          <a:noFill/>
+          <a:ln>
+            <a:solidFill>
+              <a:schemeClr val="tx1"/>
+            </a:solidFill>
+          </a:ln>
+        </p:spPr>
+        <p:style>
+          <a:lnRef idx="2">
+            <a:schemeClr val="accent1">
+              <a:shade val="50000"/>
+            </a:schemeClr>
+          </a:lnRef>
+          <a:fillRef idx="1">
+            <a:schemeClr val="accent1"/>
+          </a:fillRef>
+          <a:effectRef idx="0">
+            <a:schemeClr val="accent1"/>
+          </a:effectRef>
+          <a:fontRef idx="minor">
+            <a:schemeClr val="lt1"/>
+          </a:fontRef>
+        </p:style>
+        <p:txBody>
+          <a:bodyPr rtlCol="0" anchor="ctr"/>
+          <a:lstStyle/>
+          <a:p>
+            <a:pPr algn="ctr"/>
+            <a:r>
+              <a:rPr lang="en-US" dirty="0" smtClean="0">
+                <a:solidFill>
+                  <a:schemeClr val="tx1"/>
+                </a:solidFill>
+              </a:rPr>
+              <a:t>I</a:t>
+            </a:r>
+            <a:r>
+              <a:rPr lang="en-US" baseline="-25000" dirty="0" smtClean="0">
+                <a:solidFill>
+                  <a:schemeClr val="tx1"/>
+                </a:solidFill>
+              </a:rPr>
+              <a:t>1</a:t>
+            </a:r>
+            <a:r>
+              <a:rPr lang="en-US" dirty="0" smtClean="0">
+                <a:solidFill>
+                  <a:schemeClr val="tx1"/>
+                </a:solidFill>
+              </a:rPr>
+              <a:t>: {r1(1)} </a:t>
+            </a:r>
+            <a:r>
+              <a:rPr lang="en-US" dirty="0" smtClean="0">
+                <a:solidFill>
+                  <a:schemeClr val="tx1"/>
+                </a:solidFill>
+                <a:sym typeface="Wingdings"/>
+              </a:rPr>
+              <a:t></a:t>
+            </a:r>
+            <a:r>
+              <a:rPr lang="en-US" dirty="0" smtClean="0">
+                <a:solidFill>
+                  <a:schemeClr val="tx1"/>
+                </a:solidFill>
+              </a:rPr>
+              <a:t> {1,0}</a:t>
+            </a:r>
+            <a:endParaRPr lang="en-US" dirty="0">
+              <a:solidFill>
+                <a:schemeClr val="tx1"/>
+              </a:solidFill>
+            </a:endParaRPr>
+          </a:p>
+        </p:txBody>
+      </p:sp>
+      <p:sp>
+        <p:nvSpPr>
+          <p:cNvPr id="7" name="Rounded Rectangle 6"/>
+          <p:cNvSpPr/>
+          <p:nvPr/>
+        </p:nvSpPr>
+        <p:spPr>
+          <a:xfrm>
+            <a:off x="3500718" y="1165405"/>
+            <a:ext cx="1882589" cy="470647"/>
+          </a:xfrm>
+          <a:prstGeom prst="roundRect">
+            <a:avLst/>
+          </a:prstGeom>
+          <a:noFill/>
+          <a:ln>
+            <a:solidFill>
+              <a:schemeClr val="tx1"/>
+            </a:solidFill>
+          </a:ln>
+        </p:spPr>
+        <p:style>
+          <a:lnRef idx="2">
+            <a:schemeClr val="accent1">
+              <a:shade val="50000"/>
+            </a:schemeClr>
+          </a:lnRef>
+          <a:fillRef idx="1">
+            <a:schemeClr val="accent1"/>
+          </a:fillRef>
+          <a:effectRef idx="0">
+            <a:schemeClr val="accent1"/>
+          </a:effectRef>
+          <a:fontRef idx="minor">
+            <a:schemeClr val="lt1"/>
+          </a:fontRef>
+        </p:style>
+        <p:txBody>
+          <a:bodyPr rtlCol="0" anchor="ctr"/>
+          <a:lstStyle/>
+          <a:p>
+            <a:pPr algn="ctr"/>
+            <a:r>
+              <a:rPr lang="en-US" dirty="0" smtClean="0">
+                <a:solidFill>
+                  <a:schemeClr val="tx1"/>
+                </a:solidFill>
+              </a:rPr>
+              <a:t>I</a:t>
+            </a:r>
+            <a:r>
+              <a:rPr lang="en-US" baseline="-25000" dirty="0" smtClean="0">
+                <a:solidFill>
+                  <a:schemeClr val="tx1"/>
+                </a:solidFill>
+              </a:rPr>
+              <a:t>2</a:t>
+            </a:r>
+            <a:r>
+              <a:rPr lang="en-US" dirty="0" smtClean="0">
+                <a:solidFill>
+                  <a:schemeClr val="tx1"/>
+                </a:solidFill>
+              </a:rPr>
+              <a:t>: {r2(1)} </a:t>
+            </a:r>
+            <a:r>
+              <a:rPr lang="en-US" dirty="0" smtClean="0">
+                <a:solidFill>
+                  <a:schemeClr val="tx1"/>
+                </a:solidFill>
+                <a:sym typeface="Wingdings"/>
+              </a:rPr>
+              <a:t></a:t>
+            </a:r>
+            <a:r>
+              <a:rPr lang="en-US" dirty="0" smtClean="0">
+                <a:solidFill>
+                  <a:schemeClr val="tx1"/>
+                </a:solidFill>
+              </a:rPr>
+              <a:t> {0,1}</a:t>
+            </a:r>
+            <a:endParaRPr lang="en-US" dirty="0">
+              <a:solidFill>
+                <a:schemeClr val="tx1"/>
+              </a:solidFill>
+            </a:endParaRPr>
+          </a:p>
+        </p:txBody>
+      </p:sp>
+      <p:sp>
+        <p:nvSpPr>
+          <p:cNvPr id="8" name="Rounded Rectangle 7"/>
+          <p:cNvSpPr/>
+          <p:nvPr/>
+        </p:nvSpPr>
+        <p:spPr>
+          <a:xfrm>
+            <a:off x="887504" y="2017053"/>
+            <a:ext cx="2447365" cy="470647"/>
+          </a:xfrm>
+          <a:prstGeom prst="roundRect">
+            <a:avLst/>
+          </a:prstGeom>
+          <a:noFill/>
+          <a:ln>
+            <a:solidFill>
+              <a:schemeClr val="tx1"/>
+            </a:solidFill>
+          </a:ln>
+        </p:spPr>
+        <p:style>
+          <a:lnRef idx="2">
+            <a:schemeClr val="accent1">
+              <a:shade val="50000"/>
+            </a:schemeClr>
+          </a:lnRef>
+          <a:fillRef idx="1">
+            <a:schemeClr val="accent1"/>
+          </a:fillRef>
+          <a:effectRef idx="0">
+            <a:schemeClr val="accent1"/>
+          </a:effectRef>
+          <a:fontRef idx="minor">
+            <a:schemeClr val="lt1"/>
+          </a:fontRef>
+        </p:style>
+        <p:txBody>
+          <a:bodyPr rtlCol="0" anchor="ctr"/>
+          <a:lstStyle/>
+          <a:p>
+            <a:pPr algn="ctr"/>
+            <a:r>
+              <a:rPr lang="en-US" dirty="0" smtClean="0">
+                <a:solidFill>
+                  <a:schemeClr val="tx1"/>
+                </a:solidFill>
+              </a:rPr>
+              <a:t>I</a:t>
+            </a:r>
+            <a:r>
+              <a:rPr lang="en-US" baseline="-25000" dirty="0" smtClean="0">
+                <a:solidFill>
+                  <a:schemeClr val="tx1"/>
+                </a:solidFill>
+              </a:rPr>
+              <a:t>3</a:t>
+            </a:r>
+            <a:r>
+              <a:rPr lang="en-US" dirty="0" smtClean="0">
+                <a:solidFill>
+                  <a:schemeClr val="tx1"/>
+                </a:solidFill>
+              </a:rPr>
+              <a:t>: {r1(1),</a:t>
+            </a:r>
+            <a:r>
+              <a:rPr lang="en-US" smtClean="0">
+                <a:solidFill>
+                  <a:schemeClr val="tx1"/>
+                </a:solidFill>
+              </a:rPr>
+              <a:t>r2(1)} </a:t>
+            </a:r>
+            <a:r>
+              <a:rPr lang="en-US" smtClean="0">
+                <a:solidFill>
+                  <a:schemeClr val="tx1"/>
+                </a:solidFill>
+                <a:sym typeface="Wingdings"/>
+              </a:rPr>
+              <a:t></a:t>
+            </a:r>
+            <a:r>
+              <a:rPr lang="en-US" smtClean="0">
+                <a:solidFill>
+                  <a:schemeClr val="tx1"/>
+                </a:solidFill>
+              </a:rPr>
+              <a:t> </a:t>
+            </a:r>
+            <a:r>
+              <a:rPr lang="en-US" dirty="0" smtClean="0">
+                <a:solidFill>
+                  <a:schemeClr val="tx1"/>
+                </a:solidFill>
+              </a:rPr>
+              <a:t>{1,1}</a:t>
+            </a:r>
+            <a:endParaRPr lang="en-US" dirty="0">
+              <a:solidFill>
+                <a:schemeClr val="tx1"/>
+              </a:solidFill>
+            </a:endParaRPr>
+          </a:p>
+        </p:txBody>
+      </p:sp>
+      <p:sp>
+        <p:nvSpPr>
+          <p:cNvPr id="9" name="Rounded Rectangle 8"/>
+          <p:cNvSpPr/>
+          <p:nvPr/>
+        </p:nvSpPr>
+        <p:spPr>
+          <a:xfrm>
+            <a:off x="3462617" y="2017053"/>
+            <a:ext cx="2400302" cy="470647"/>
+          </a:xfrm>
+          <a:prstGeom prst="roundRect">
+            <a:avLst/>
+          </a:prstGeom>
+          <a:noFill/>
+          <a:ln>
+            <a:solidFill>
+              <a:schemeClr val="tx1"/>
+            </a:solidFill>
+          </a:ln>
+        </p:spPr>
+        <p:style>
+          <a:lnRef idx="2">
+            <a:schemeClr val="accent1">
+              <a:shade val="50000"/>
+            </a:schemeClr>
+          </a:lnRef>
+          <a:fillRef idx="1">
+            <a:schemeClr val="accent1"/>
+          </a:fillRef>
+          <a:effectRef idx="0">
+            <a:schemeClr val="accent1"/>
+          </a:effectRef>
+          <a:fontRef idx="minor">
+            <a:schemeClr val="lt1"/>
+          </a:fontRef>
+        </p:style>
+        <p:txBody>
+          <a:bodyPr rtlCol="0" anchor="ctr"/>
+          <a:lstStyle/>
+          <a:p>
+            <a:pPr algn="ctr"/>
+            <a:r>
+              <a:rPr lang="en-US" dirty="0" smtClean="0">
+                <a:solidFill>
+                  <a:schemeClr val="tx1"/>
+                </a:solidFill>
+              </a:rPr>
+              <a:t>I</a:t>
+            </a:r>
+            <a:r>
+              <a:rPr lang="en-US" baseline="-25000" dirty="0" smtClean="0">
+                <a:solidFill>
+                  <a:schemeClr val="tx1"/>
+                </a:solidFill>
+              </a:rPr>
+              <a:t>4</a:t>
+            </a:r>
+            <a:r>
+              <a:rPr lang="en-US" dirty="0" smtClean="0">
+                <a:solidFill>
+                  <a:schemeClr val="tx1"/>
+                </a:solidFill>
+              </a:rPr>
+              <a:t>: {r1(1),</a:t>
+            </a:r>
+            <a:r>
+              <a:rPr lang="en-US" smtClean="0">
+                <a:solidFill>
+                  <a:schemeClr val="tx1"/>
+                </a:solidFill>
+              </a:rPr>
+              <a:t>r2(1)} </a:t>
+            </a:r>
+            <a:r>
+              <a:rPr lang="en-US" smtClean="0">
+                <a:solidFill>
+                  <a:schemeClr val="tx1"/>
+                </a:solidFill>
+                <a:sym typeface="Wingdings"/>
+              </a:rPr>
+              <a:t></a:t>
+            </a:r>
+            <a:r>
+              <a:rPr lang="en-US" smtClean="0">
+                <a:solidFill>
+                  <a:schemeClr val="tx1"/>
+                </a:solidFill>
+              </a:rPr>
+              <a:t> </a:t>
+            </a:r>
+            <a:r>
+              <a:rPr lang="en-US" dirty="0" smtClean="0">
+                <a:solidFill>
+                  <a:schemeClr val="tx1"/>
+                </a:solidFill>
+              </a:rPr>
+              <a:t>{1,1}</a:t>
+            </a:r>
+            <a:endParaRPr lang="en-US" dirty="0">
+              <a:solidFill>
+                <a:schemeClr val="tx1"/>
+              </a:solidFill>
+            </a:endParaRPr>
+          </a:p>
+        </p:txBody>
+      </p:sp>
+      <p:cxnSp>
+        <p:nvCxnSpPr>
+          <p:cNvPr id="11" name="Straight Arrow Connector 10"/>
+          <p:cNvCxnSpPr>
+            <a:stCxn id="5" idx="2"/>
+            <a:endCxn id="6" idx="0"/>
+          </p:cNvCxnSpPr>
+          <p:nvPr/>
+        </p:nvCxnSpPr>
+        <p:spPr>
+          <a:xfrm flipH="1">
+            <a:off x="2312892" y="797852"/>
+            <a:ext cx="1082491" cy="367554"/>
+          </a:xfrm>
+          <a:prstGeom prst="straightConnector1">
+            <a:avLst/>
+          </a:prstGeom>
+          <a:ln>
+            <a:solidFill>
+              <a:schemeClr val="tx1"/>
+            </a:solidFill>
+            <a:tailEnd type="triangle"/>
+          </a:ln>
+        </p:spPr>
+        <p:style>
+          <a:lnRef idx="1">
+            <a:schemeClr val="accent1"/>
+          </a:lnRef>
+          <a:fillRef idx="0">
+            <a:schemeClr val="accent1"/>
+          </a:fillRef>
+          <a:effectRef idx="0">
+            <a:schemeClr val="accent1"/>
+          </a:effectRef>
+          <a:fontRef idx="minor">
+            <a:schemeClr val="tx1"/>
+          </a:fontRef>
+        </p:style>
+      </p:cxnSp>
+      <p:cxnSp>
+        <p:nvCxnSpPr>
+          <p:cNvPr id="13" name="Straight Arrow Connector 12"/>
+          <p:cNvCxnSpPr>
+            <a:stCxn id="5" idx="2"/>
+            <a:endCxn id="7" idx="0"/>
+          </p:cNvCxnSpPr>
+          <p:nvPr/>
+        </p:nvCxnSpPr>
+        <p:spPr>
+          <a:xfrm>
+            <a:off x="3395383" y="797852"/>
+            <a:ext cx="1046630" cy="367553"/>
+          </a:xfrm>
+          <a:prstGeom prst="straightConnector1">
+            <a:avLst/>
+          </a:prstGeom>
+          <a:ln>
+            <a:solidFill>
+              <a:schemeClr val="tx1"/>
+            </a:solidFill>
+            <a:tailEnd type="triangle"/>
+          </a:ln>
+        </p:spPr>
+        <p:style>
+          <a:lnRef idx="1">
+            <a:schemeClr val="accent1"/>
+          </a:lnRef>
+          <a:fillRef idx="0">
+            <a:schemeClr val="accent1"/>
+          </a:fillRef>
+          <a:effectRef idx="0">
+            <a:schemeClr val="accent1"/>
+          </a:effectRef>
+          <a:fontRef idx="minor">
+            <a:schemeClr val="tx1"/>
+          </a:fontRef>
+        </p:style>
+      </p:cxnSp>
+      <p:cxnSp>
+        <p:nvCxnSpPr>
+          <p:cNvPr id="15" name="Straight Arrow Connector 14"/>
+          <p:cNvCxnSpPr>
+            <a:stCxn id="6" idx="2"/>
+            <a:endCxn id="8" idx="0"/>
+          </p:cNvCxnSpPr>
+          <p:nvPr/>
+        </p:nvCxnSpPr>
+        <p:spPr>
+          <a:xfrm flipH="1">
+            <a:off x="2111187" y="1636053"/>
+            <a:ext cx="201705" cy="381000"/>
+          </a:xfrm>
+          <a:prstGeom prst="straightConnector1">
+            <a:avLst/>
+          </a:prstGeom>
+          <a:ln>
+            <a:solidFill>
+              <a:schemeClr val="tx1"/>
+            </a:solidFill>
+            <a:tailEnd type="triangle"/>
+          </a:ln>
+        </p:spPr>
+        <p:style>
+          <a:lnRef idx="1">
+            <a:schemeClr val="accent1"/>
+          </a:lnRef>
+          <a:fillRef idx="0">
+            <a:schemeClr val="accent1"/>
+          </a:fillRef>
+          <a:effectRef idx="0">
+            <a:schemeClr val="accent1"/>
+          </a:effectRef>
+          <a:fontRef idx="minor">
+            <a:schemeClr val="tx1"/>
+          </a:fontRef>
+        </p:style>
+      </p:cxnSp>
+      <p:cxnSp>
+        <p:nvCxnSpPr>
+          <p:cNvPr id="17" name="Straight Arrow Connector 16"/>
+          <p:cNvCxnSpPr>
+            <a:stCxn id="7" idx="2"/>
+            <a:endCxn id="9" idx="0"/>
+          </p:cNvCxnSpPr>
+          <p:nvPr/>
+        </p:nvCxnSpPr>
+        <p:spPr>
+          <a:xfrm>
+            <a:off x="4442013" y="1636052"/>
+            <a:ext cx="220755" cy="381001"/>
+          </a:xfrm>
+          <a:prstGeom prst="straightConnector1">
+            <a:avLst/>
+          </a:prstGeom>
+          <a:ln>
+            <a:solidFill>
+              <a:schemeClr val="tx1"/>
+            </a:solidFill>
+            <a:tailEnd type="triangle"/>
+          </a:ln>
+        </p:spPr>
+        <p:style>
+          <a:lnRef idx="1">
+            <a:schemeClr val="accent1"/>
+          </a:lnRef>
+          <a:fillRef idx="0">
+            <a:schemeClr val="accent1"/>
+          </a:fillRef>
+          <a:effectRef idx="0">
+            <a:schemeClr val="accent1"/>
+          </a:effectRef>
+          <a:fontRef idx="minor">
+            <a:schemeClr val="tx1"/>
+          </a:fontRef>
+        </p:style>
+      </p:cxnSp>
+      <mc:AlternateContent xmlns:mc="http://schemas.openxmlformats.org/markup-compatibility/2006">
+        <mc:Choice xmlns:a14="http://schemas.microsoft.com/office/drawing/2010/main" Requires="a14">
+          <p:sp>
+            <p:nvSpPr>
+              <p:cNvPr id="19" name="Rounded Rectangle 18"/>
+              <p:cNvSpPr/>
+              <p:nvPr/>
+            </p:nvSpPr>
+            <p:spPr>
+              <a:xfrm>
+                <a:off x="7510192" y="390847"/>
+                <a:ext cx="1969985" cy="470647"/>
+              </a:xfrm>
+              <a:prstGeom prst="roundRect">
+                <a:avLst/>
+              </a:prstGeom>
+              <a:noFill/>
+              <a:ln>
+                <a:solidFill>
+                  <a:schemeClr val="tx1"/>
+                </a:solidFill>
+              </a:ln>
+            </p:spPr>
+            <p:style>
+              <a:lnRef idx="2">
+                <a:schemeClr val="accent1">
+                  <a:shade val="50000"/>
+                </a:schemeClr>
+              </a:lnRef>
+              <a:fillRef idx="1">
+                <a:schemeClr val="accent1"/>
+              </a:fillRef>
+              <a:effectRef idx="0">
+                <a:schemeClr val="accent1"/>
+              </a:effectRef>
+              <a:fontRef idx="minor">
+                <a:schemeClr val="lt1"/>
+              </a:fontRef>
+            </p:style>
+            <p:txBody>
+              <a:bodyPr rtlCol="0" anchor="ctr"/>
+              <a:lstStyle/>
+              <a:p>
+                <a:pPr algn="ctr"/>
+                <a:r>
+                  <a:rPr lang="en-US" dirty="0" smtClean="0">
+                    <a:solidFill>
+                      <a:schemeClr val="tx1"/>
+                    </a:solidFill>
+                  </a:rPr>
+                  <a:t>I</a:t>
+                </a:r>
+                <a:r>
+                  <a:rPr lang="en-US" baseline="-25000" dirty="0">
+                    <a:solidFill>
+                      <a:schemeClr val="tx1"/>
+                    </a:solidFill>
+                  </a:rPr>
+                  <a:t>0</a:t>
+                </a:r>
+                <a:r>
+                  <a:rPr lang="en-US" dirty="0">
+                    <a:solidFill>
+                      <a:schemeClr val="tx1"/>
+                    </a:solidFill>
+                  </a:rPr>
+                  <a:t>: </a:t>
+                </a:r>
+                <a:r>
+                  <a:rPr lang="en-US" dirty="0" smtClean="0">
+                    <a:solidFill>
+                      <a:schemeClr val="tx1"/>
+                    </a:solidFill>
+                  </a:rPr>
+                  <a:t>{</a:t>
+                </a:r>
+                <a14:m>
+                  <m:oMath xmlns:m="http://schemas.openxmlformats.org/officeDocument/2006/math">
+                    <m:r>
+                      <a:rPr lang="en-US" i="1">
+                        <a:solidFill>
+                          <a:schemeClr val="tx1"/>
+                        </a:solidFill>
+                        <a:latin typeface="Cambria Math" charset="0"/>
+                        <a:ea typeface="Cambria Math" charset="0"/>
+                        <a:cs typeface="Cambria Math" charset="0"/>
+                      </a:rPr>
+                      <m:t>∅</m:t>
+                    </m:r>
+                  </m:oMath>
+                </a14:m>
+                <a:r>
+                  <a:rPr lang="en-US" dirty="0" smtClean="0">
+                    <a:solidFill>
+                      <a:schemeClr val="tx1"/>
+                    </a:solidFill>
+                    <a:sym typeface="Wingdings"/>
+                  </a:rPr>
+                  <a:t>,</a:t>
+                </a:r>
+                <a14:m>
+                  <m:oMath xmlns:m="http://schemas.openxmlformats.org/officeDocument/2006/math">
+                    <m:r>
+                      <a:rPr lang="en-US" i="1">
+                        <a:solidFill>
+                          <a:schemeClr val="tx1"/>
+                        </a:solidFill>
+                        <a:latin typeface="Cambria Math" charset="0"/>
+                        <a:ea typeface="Cambria Math" charset="0"/>
+                        <a:cs typeface="Cambria Math" charset="0"/>
+                      </a:rPr>
+                      <m:t>∅</m:t>
+                    </m:r>
+                  </m:oMath>
+                </a14:m>
+                <a:r>
+                  <a:rPr lang="en-US" dirty="0" smtClean="0">
+                    <a:solidFill>
+                      <a:schemeClr val="tx1"/>
+                    </a:solidFill>
+                    <a:sym typeface="Wingdings"/>
+                  </a:rPr>
+                  <a:t>}  </a:t>
+                </a:r>
+                <a:r>
+                  <a:rPr lang="en-US" dirty="0" smtClean="0">
+                    <a:solidFill>
+                      <a:schemeClr val="tx1"/>
+                    </a:solidFill>
+                  </a:rPr>
+                  <a:t>{0,0}</a:t>
+                </a:r>
+                <a:endParaRPr lang="en-US" dirty="0">
+                  <a:solidFill>
+                    <a:schemeClr val="tx1"/>
+                  </a:solidFill>
+                </a:endParaRPr>
+              </a:p>
+            </p:txBody>
+          </p:sp>
+        </mc:Choice>
+        <mc:Fallback>
+          <p:sp>
+            <p:nvSpPr>
+              <p:cNvPr id="19" name="Rounded Rectangle 18"/>
+              <p:cNvSpPr>
+                <a:spLocks noRot="1" noChangeAspect="1" noMove="1" noResize="1" noEditPoints="1" noAdjustHandles="1" noChangeArrowheads="1" noChangeShapeType="1" noTextEdit="1"/>
+              </p:cNvSpPr>
+              <p:nvPr/>
+            </p:nvSpPr>
+            <p:spPr>
+              <a:xfrm>
+                <a:off x="7510192" y="390847"/>
+                <a:ext cx="1969985" cy="470647"/>
+              </a:xfrm>
+              <a:prstGeom prst="roundRect">
+                <a:avLst/>
+              </a:prstGeom>
+              <a:blipFill rotWithShape="0">
+                <a:blip r:embed="rId3"/>
+                <a:stretch>
+                  <a:fillRect b="-8861"/>
+                </a:stretch>
+              </a:blipFill>
+              <a:ln>
+                <a:solidFill>
+                  <a:schemeClr val="tx1"/>
+                </a:solidFill>
+              </a:ln>
+            </p:spPr>
+            <p:txBody>
+              <a:bodyPr/>
+              <a:lstStyle/>
+              <a:p>
+                <a:r>
+                  <a:rPr lang="en-US">
+                    <a:noFill/>
+                  </a:rPr>
+                  <a:t> </a:t>
+                </a:r>
+              </a:p>
+            </p:txBody>
+          </p:sp>
+        </mc:Fallback>
+      </mc:AlternateContent>
+      <p:sp>
+        <p:nvSpPr>
+          <p:cNvPr id="20" name="Rounded Rectangle 19"/>
+          <p:cNvSpPr/>
+          <p:nvPr/>
+        </p:nvSpPr>
+        <p:spPr>
+          <a:xfrm>
+            <a:off x="5913347" y="1242496"/>
+            <a:ext cx="2524686" cy="470647"/>
+          </a:xfrm>
+          <a:prstGeom prst="roundRect">
+            <a:avLst/>
+          </a:prstGeom>
+          <a:noFill/>
+          <a:ln>
+            <a:solidFill>
+              <a:schemeClr val="tx1"/>
+            </a:solidFill>
+          </a:ln>
+        </p:spPr>
+        <p:style>
+          <a:lnRef idx="2">
+            <a:schemeClr val="accent1">
+              <a:shade val="50000"/>
+            </a:schemeClr>
+          </a:lnRef>
+          <a:fillRef idx="1">
+            <a:schemeClr val="accent1"/>
+          </a:fillRef>
+          <a:effectRef idx="0">
+            <a:schemeClr val="accent1"/>
+          </a:effectRef>
+          <a:fontRef idx="minor">
+            <a:schemeClr val="lt1"/>
+          </a:fontRef>
+        </p:style>
+        <p:txBody>
+          <a:bodyPr rtlCol="0" anchor="ctr"/>
+          <a:lstStyle/>
+          <a:p>
+            <a:pPr algn="ctr"/>
+            <a:r>
+              <a:rPr lang="en-US" smtClean="0">
+                <a:solidFill>
+                  <a:schemeClr val="tx1"/>
+                </a:solidFill>
+              </a:rPr>
+              <a:t>I</a:t>
+            </a:r>
+            <a:r>
+              <a:rPr lang="en-US" baseline="-25000" smtClean="0">
+                <a:solidFill>
+                  <a:schemeClr val="tx1"/>
+                </a:solidFill>
+              </a:rPr>
+              <a:t>1</a:t>
+            </a:r>
+            <a:r>
+              <a:rPr lang="en-US" smtClean="0">
+                <a:solidFill>
+                  <a:schemeClr val="tx1"/>
+                </a:solidFill>
+              </a:rPr>
+              <a:t>: </a:t>
+            </a:r>
+            <a:r>
+              <a:rPr lang="en-US" dirty="0" smtClean="0">
+                <a:solidFill>
+                  <a:schemeClr val="tx1"/>
+                </a:solidFill>
+              </a:rPr>
+              <a:t>{</a:t>
+            </a:r>
+            <a:r>
+              <a:rPr lang="en-US" smtClean="0">
+                <a:solidFill>
+                  <a:schemeClr val="tx1"/>
+                </a:solidFill>
+              </a:rPr>
+              <a:t>r1(1)},{r2(0)} </a:t>
+            </a:r>
+            <a:r>
+              <a:rPr lang="en-US" smtClean="0">
+                <a:solidFill>
+                  <a:schemeClr val="tx1"/>
+                </a:solidFill>
+                <a:sym typeface="Wingdings"/>
+              </a:rPr>
+              <a:t></a:t>
+            </a:r>
+            <a:r>
+              <a:rPr lang="en-US" smtClean="0">
+                <a:solidFill>
+                  <a:schemeClr val="tx1"/>
+                </a:solidFill>
+              </a:rPr>
+              <a:t> {1,0}</a:t>
+            </a:r>
+            <a:endParaRPr lang="en-US" dirty="0">
+              <a:solidFill>
+                <a:schemeClr val="tx1"/>
+              </a:solidFill>
+            </a:endParaRPr>
+          </a:p>
+        </p:txBody>
+      </p:sp>
+      <p:sp>
+        <p:nvSpPr>
+          <p:cNvPr id="21" name="Rounded Rectangle 20"/>
+          <p:cNvSpPr/>
+          <p:nvPr/>
+        </p:nvSpPr>
+        <p:spPr>
+          <a:xfrm>
+            <a:off x="7221080" y="2042595"/>
+            <a:ext cx="2553264" cy="470647"/>
+          </a:xfrm>
+          <a:prstGeom prst="roundRect">
+            <a:avLst/>
+          </a:prstGeom>
+          <a:noFill/>
+          <a:ln>
+            <a:solidFill>
+              <a:schemeClr val="tx1"/>
+            </a:solidFill>
+          </a:ln>
+        </p:spPr>
+        <p:style>
+          <a:lnRef idx="2">
+            <a:schemeClr val="accent1">
+              <a:shade val="50000"/>
+            </a:schemeClr>
+          </a:lnRef>
+          <a:fillRef idx="1">
+            <a:schemeClr val="accent1"/>
+          </a:fillRef>
+          <a:effectRef idx="0">
+            <a:schemeClr val="accent1"/>
+          </a:effectRef>
+          <a:fontRef idx="minor">
+            <a:schemeClr val="lt1"/>
+          </a:fontRef>
+        </p:style>
+        <p:txBody>
+          <a:bodyPr rtlCol="0" anchor="ctr"/>
+          <a:lstStyle/>
+          <a:p>
+            <a:pPr algn="ctr"/>
+            <a:r>
+              <a:rPr lang="en-US" dirty="0" smtClean="0">
+                <a:solidFill>
+                  <a:schemeClr val="tx1"/>
+                </a:solidFill>
+              </a:rPr>
+              <a:t>I</a:t>
+            </a:r>
+            <a:r>
+              <a:rPr lang="en-US" baseline="-25000" dirty="0" smtClean="0">
+                <a:solidFill>
+                  <a:schemeClr val="tx1"/>
+                </a:solidFill>
+              </a:rPr>
+              <a:t>2</a:t>
+            </a:r>
+            <a:r>
+              <a:rPr lang="en-US" dirty="0" smtClean="0">
+                <a:solidFill>
+                  <a:schemeClr val="tx1"/>
+                </a:solidFill>
+              </a:rPr>
+              <a:t>: {r1(0)},{r2(1)} </a:t>
+            </a:r>
+            <a:r>
+              <a:rPr lang="en-US" dirty="0" smtClean="0">
+                <a:solidFill>
+                  <a:schemeClr val="tx1"/>
+                </a:solidFill>
+                <a:sym typeface="Wingdings"/>
+              </a:rPr>
+              <a:t></a:t>
+            </a:r>
+            <a:r>
+              <a:rPr lang="en-US" dirty="0" smtClean="0">
+                <a:solidFill>
+                  <a:schemeClr val="tx1"/>
+                </a:solidFill>
+              </a:rPr>
+              <a:t> {0,1}</a:t>
+            </a:r>
+            <a:endParaRPr lang="en-US" dirty="0">
+              <a:solidFill>
+                <a:schemeClr val="tx1"/>
+              </a:solidFill>
+            </a:endParaRPr>
+          </a:p>
+        </p:txBody>
+      </p:sp>
+      <p:sp>
+        <p:nvSpPr>
+          <p:cNvPr id="22" name="Rounded Rectangle 21"/>
+          <p:cNvSpPr/>
+          <p:nvPr/>
+        </p:nvSpPr>
+        <p:spPr>
+          <a:xfrm>
+            <a:off x="8545624" y="1242494"/>
+            <a:ext cx="2565016" cy="470647"/>
+          </a:xfrm>
+          <a:prstGeom prst="roundRect">
+            <a:avLst/>
+          </a:prstGeom>
+          <a:noFill/>
+          <a:ln>
+            <a:solidFill>
+              <a:schemeClr val="tx1"/>
+            </a:solidFill>
+          </a:ln>
+        </p:spPr>
+        <p:style>
+          <a:lnRef idx="2">
+            <a:schemeClr val="accent1">
+              <a:shade val="50000"/>
+            </a:schemeClr>
+          </a:lnRef>
+          <a:fillRef idx="1">
+            <a:schemeClr val="accent1"/>
+          </a:fillRef>
+          <a:effectRef idx="0">
+            <a:schemeClr val="accent1"/>
+          </a:effectRef>
+          <a:fontRef idx="minor">
+            <a:schemeClr val="lt1"/>
+          </a:fontRef>
+        </p:style>
+        <p:txBody>
+          <a:bodyPr rtlCol="0" anchor="ctr"/>
+          <a:lstStyle/>
+          <a:p>
+            <a:pPr algn="ctr"/>
+            <a:r>
+              <a:rPr lang="en-US" dirty="0" smtClean="0">
+                <a:solidFill>
+                  <a:schemeClr val="tx1"/>
+                </a:solidFill>
+              </a:rPr>
+              <a:t>I</a:t>
+            </a:r>
+            <a:r>
+              <a:rPr lang="en-US" baseline="-25000" dirty="0" smtClean="0">
+                <a:solidFill>
+                  <a:schemeClr val="tx1"/>
+                </a:solidFill>
+              </a:rPr>
+              <a:t>3</a:t>
+            </a:r>
+            <a:r>
+              <a:rPr lang="en-US" dirty="0" smtClean="0">
+                <a:solidFill>
+                  <a:schemeClr val="tx1"/>
+                </a:solidFill>
+              </a:rPr>
+              <a:t>: {r1(1)},{r2(1)} </a:t>
+            </a:r>
+            <a:r>
+              <a:rPr lang="en-US" dirty="0" smtClean="0">
+                <a:solidFill>
+                  <a:schemeClr val="tx1"/>
+                </a:solidFill>
+                <a:sym typeface="Wingdings"/>
+              </a:rPr>
+              <a:t></a:t>
+            </a:r>
+            <a:r>
+              <a:rPr lang="en-US" dirty="0" smtClean="0">
+                <a:solidFill>
+                  <a:schemeClr val="tx1"/>
+                </a:solidFill>
+              </a:rPr>
+              <a:t> {1,1}</a:t>
+            </a:r>
+            <a:endParaRPr lang="en-US" dirty="0">
+              <a:solidFill>
+                <a:schemeClr val="tx1"/>
+              </a:solidFill>
+            </a:endParaRPr>
+          </a:p>
+        </p:txBody>
+      </p:sp>
+      <p:cxnSp>
+        <p:nvCxnSpPr>
+          <p:cNvPr id="24" name="Straight Arrow Connector 23"/>
+          <p:cNvCxnSpPr>
+            <a:stCxn id="19" idx="2"/>
+            <a:endCxn id="20" idx="0"/>
+          </p:cNvCxnSpPr>
+          <p:nvPr/>
+        </p:nvCxnSpPr>
+        <p:spPr>
+          <a:xfrm flipH="1">
+            <a:off x="7175690" y="861494"/>
+            <a:ext cx="1319495" cy="381002"/>
+          </a:xfrm>
+          <a:prstGeom prst="straightConnector1">
+            <a:avLst/>
+          </a:prstGeom>
+          <a:ln>
+            <a:solidFill>
+              <a:schemeClr val="tx1"/>
+            </a:solidFill>
+            <a:tailEnd type="triangle"/>
+          </a:ln>
+        </p:spPr>
+        <p:style>
+          <a:lnRef idx="1">
+            <a:schemeClr val="accent1"/>
+          </a:lnRef>
+          <a:fillRef idx="0">
+            <a:schemeClr val="accent1"/>
+          </a:fillRef>
+          <a:effectRef idx="0">
+            <a:schemeClr val="accent1"/>
+          </a:effectRef>
+          <a:fontRef idx="minor">
+            <a:schemeClr val="tx1"/>
+          </a:fontRef>
+        </p:style>
+      </p:cxnSp>
+      <p:cxnSp>
+        <p:nvCxnSpPr>
+          <p:cNvPr id="26" name="Straight Arrow Connector 25"/>
+          <p:cNvCxnSpPr>
+            <a:stCxn id="19" idx="2"/>
+            <a:endCxn id="21" idx="0"/>
+          </p:cNvCxnSpPr>
+          <p:nvPr/>
+        </p:nvCxnSpPr>
+        <p:spPr>
+          <a:xfrm>
+            <a:off x="8495185" y="861494"/>
+            <a:ext cx="2527" cy="1181101"/>
+          </a:xfrm>
+          <a:prstGeom prst="straightConnector1">
+            <a:avLst/>
+          </a:prstGeom>
+          <a:ln>
+            <a:solidFill>
+              <a:schemeClr val="tx1"/>
+            </a:solidFill>
+            <a:tailEnd type="triangle"/>
+          </a:ln>
+        </p:spPr>
+        <p:style>
+          <a:lnRef idx="1">
+            <a:schemeClr val="accent1"/>
+          </a:lnRef>
+          <a:fillRef idx="0">
+            <a:schemeClr val="accent1"/>
+          </a:fillRef>
+          <a:effectRef idx="0">
+            <a:schemeClr val="accent1"/>
+          </a:effectRef>
+          <a:fontRef idx="minor">
+            <a:schemeClr val="tx1"/>
+          </a:fontRef>
+        </p:style>
+      </p:cxnSp>
+      <p:cxnSp>
+        <p:nvCxnSpPr>
+          <p:cNvPr id="28" name="Straight Arrow Connector 27"/>
+          <p:cNvCxnSpPr>
+            <a:stCxn id="19" idx="2"/>
+            <a:endCxn id="22" idx="0"/>
+          </p:cNvCxnSpPr>
+          <p:nvPr/>
+        </p:nvCxnSpPr>
+        <p:spPr>
+          <a:xfrm>
+            <a:off x="8495185" y="861494"/>
+            <a:ext cx="1332947" cy="381000"/>
+          </a:xfrm>
+          <a:prstGeom prst="straightConnector1">
+            <a:avLst/>
+          </a:prstGeom>
+          <a:ln>
+            <a:solidFill>
+              <a:schemeClr val="tx1"/>
+            </a:solidFill>
+            <a:tailEnd type="triangle"/>
+          </a:ln>
+        </p:spPr>
+        <p:style>
+          <a:lnRef idx="1">
+            <a:schemeClr val="accent1"/>
+          </a:lnRef>
+          <a:fillRef idx="0">
+            <a:schemeClr val="accent1"/>
+          </a:fillRef>
+          <a:effectRef idx="0">
+            <a:schemeClr val="accent1"/>
+          </a:effectRef>
+          <a:fontRef idx="minor">
+            <a:schemeClr val="tx1"/>
+          </a:fontRef>
+        </p:style>
+      </p:cxnSp>
+      <p:sp>
+        <p:nvSpPr>
+          <p:cNvPr id="29" name="TextBox 28"/>
+          <p:cNvSpPr txBox="1"/>
+          <p:nvPr/>
+        </p:nvSpPr>
+        <p:spPr>
+          <a:xfrm>
+            <a:off x="3213845" y="2595282"/>
+            <a:ext cx="618566" cy="369332"/>
+          </a:xfrm>
+          <a:prstGeom prst="rect">
+            <a:avLst/>
+          </a:prstGeom>
+          <a:noFill/>
+        </p:spPr>
+        <p:txBody>
+          <a:bodyPr wrap="square" rtlCol="0">
+            <a:spAutoFit/>
+          </a:bodyPr>
+          <a:lstStyle/>
+          <a:p>
+            <a:r>
+              <a:rPr lang="en-US" dirty="0" smtClean="0"/>
+              <a:t>(a)</a:t>
+            </a:r>
+            <a:endParaRPr lang="en-US" dirty="0"/>
+          </a:p>
+        </p:txBody>
+      </p:sp>
+      <p:sp>
+        <p:nvSpPr>
+          <p:cNvPr id="30" name="TextBox 29"/>
+          <p:cNvSpPr txBox="1"/>
+          <p:nvPr/>
+        </p:nvSpPr>
+        <p:spPr>
+          <a:xfrm>
+            <a:off x="8310289" y="2613206"/>
+            <a:ext cx="618566" cy="369332"/>
+          </a:xfrm>
+          <a:prstGeom prst="rect">
+            <a:avLst/>
+          </a:prstGeom>
+          <a:noFill/>
+        </p:spPr>
+        <p:txBody>
+          <a:bodyPr wrap="square" rtlCol="0">
+            <a:spAutoFit/>
+          </a:bodyPr>
+          <a:lstStyle/>
+          <a:p>
+            <a:r>
+              <a:rPr lang="en-US" dirty="0" smtClean="0"/>
+              <a:t>(b)</a:t>
+            </a:r>
+            <a:endParaRPr lang="en-US" dirty="0"/>
+          </a:p>
+        </p:txBody>
+      </p:sp>
+    </p:spTree>
+    <p:extLst>
+      <p:ext uri="{BB962C8B-B14F-4D97-AF65-F5344CB8AC3E}">
+        <p14:creationId xmlns:p14="http://schemas.microsoft.com/office/powerpoint/2010/main" val="1663851867"/>
+      </p:ext>
+    </p:extLst>
+  </p:cSld>
+  <p:clrMapOvr>
+    <a:masterClrMapping/>
+  </p:clrMapOvr>
+</p:sld>
+</file>
+
+<file path=ppt/slides/slide12.xml><?xml version="1.0" encoding="utf-8"?>
+<p:sld xmlns:a="http://schemas.openxmlformats.org/drawingml/2006/main" xmlns:r="http://schemas.openxmlformats.org/officeDocument/2006/relationships" xmlns:p="http://schemas.openxmlformats.org/presentationml/2006/main">
+  <p:cSld>
+    <p:spTree>
+      <p:nvGrpSpPr>
+        <p:cNvPr id="1" name=""/>
+        <p:cNvGrpSpPr/>
+        <p:nvPr/>
+      </p:nvGrpSpPr>
+      <p:grpSpPr>
+        <a:xfrm>
+          <a:off x="0" y="0"/>
+          <a:ext cx="0" cy="0"/>
+          <a:chOff x="0" y="0"/>
+          <a:chExt cx="0" cy="0"/>
+        </a:xfrm>
+      </p:grpSpPr>
+      <mc:AlternateContent xmlns:mc="http://schemas.openxmlformats.org/markup-compatibility/2006">
+        <mc:Choice xmlns:a14="http://schemas.microsoft.com/office/drawing/2010/main" Requires="a14">
+          <p:sp>
+            <p:nvSpPr>
+              <p:cNvPr id="5" name="Rounded Rectangle 4"/>
+              <p:cNvSpPr/>
+              <p:nvPr/>
+            </p:nvSpPr>
+            <p:spPr>
+              <a:xfrm>
+                <a:off x="2501153" y="354099"/>
+                <a:ext cx="2148168" cy="470647"/>
+              </a:xfrm>
+              <a:prstGeom prst="roundRect">
+                <a:avLst/>
+              </a:prstGeom>
+              <a:noFill/>
+              <a:ln>
+                <a:noFill/>
+              </a:ln>
+            </p:spPr>
+            <p:style>
+              <a:lnRef idx="2">
+                <a:schemeClr val="accent1">
+                  <a:shade val="50000"/>
+                </a:schemeClr>
+              </a:lnRef>
+              <a:fillRef idx="1">
+                <a:schemeClr val="accent1"/>
+              </a:fillRef>
+              <a:effectRef idx="0">
+                <a:schemeClr val="accent1"/>
+              </a:effectRef>
+              <a:fontRef idx="minor">
+                <a:schemeClr val="lt1"/>
+              </a:fontRef>
+            </p:style>
+            <p:txBody>
+              <a:bodyPr rtlCol="0" anchor="ctr"/>
+              <a:lstStyle/>
+              <a:p>
+                <a:pPr algn="ctr"/>
+                <a:r>
+                  <a:rPr lang="en-US" b="1" dirty="0" smtClean="0">
+                    <a:solidFill>
+                      <a:schemeClr val="tx1"/>
+                    </a:solidFill>
+                  </a:rPr>
+                  <a:t>I</a:t>
+                </a:r>
+                <a:r>
+                  <a:rPr lang="en-US" b="1" baseline="-25000" dirty="0">
+                    <a:solidFill>
+                      <a:schemeClr val="tx1"/>
+                    </a:solidFill>
+                  </a:rPr>
+                  <a:t>0</a:t>
+                </a:r>
+                <a:r>
+                  <a:rPr lang="en-US" dirty="0">
+                    <a:solidFill>
+                      <a:schemeClr val="tx1"/>
+                    </a:solidFill>
+                  </a:rPr>
+                  <a:t>: </a:t>
+                </a:r>
+                <a14:m>
+                  <m:oMath xmlns:m="http://schemas.openxmlformats.org/officeDocument/2006/math">
+                    <m:r>
+                      <a:rPr lang="en-US" i="1">
+                        <a:solidFill>
+                          <a:schemeClr val="tx1"/>
+                        </a:solidFill>
+                        <a:latin typeface="Cambria Math" charset="0"/>
+                        <a:ea typeface="Cambria Math" charset="0"/>
+                        <a:cs typeface="Cambria Math" charset="0"/>
+                      </a:rPr>
+                      <m:t>∅</m:t>
+                    </m:r>
+                  </m:oMath>
+                </a14:m>
+                <a:r>
+                  <a:rPr lang="en-US" dirty="0" smtClean="0">
+                    <a:solidFill>
+                      <a:schemeClr val="tx1"/>
+                    </a:solidFill>
+                    <a:sym typeface="Wingdings"/>
+                  </a:rPr>
+                  <a:t>  </a:t>
+                </a:r>
+                <a14:m>
+                  <m:oMath xmlns:m="http://schemas.openxmlformats.org/officeDocument/2006/math">
+                    <m:r>
+                      <a:rPr lang="en-US" i="1" smtClean="0">
+                        <a:solidFill>
+                          <a:schemeClr val="tx1"/>
+                        </a:solidFill>
+                        <a:latin typeface="Cambria Math" charset="0"/>
+                        <a:ea typeface="Cambria Math" charset="0"/>
+                        <a:cs typeface="Cambria Math" charset="0"/>
+                        <a:sym typeface="Wingdings"/>
+                      </a:rPr>
+                      <m:t>𝜏</m:t>
+                    </m:r>
+                    <m:r>
+                      <a:rPr lang="en-US" b="0" i="1" baseline="-25000" smtClean="0">
+                        <a:solidFill>
+                          <a:schemeClr val="tx1"/>
+                        </a:solidFill>
+                        <a:latin typeface="Cambria Math" charset="0"/>
+                        <a:ea typeface="Cambria Math" charset="0"/>
+                        <a:cs typeface="Cambria Math" charset="0"/>
+                        <a:sym typeface="Wingdings"/>
+                      </a:rPr>
+                      <m:t>0</m:t>
+                    </m:r>
+                    <m:r>
+                      <a:rPr lang="en-US" b="0" i="1" smtClean="0">
+                        <a:solidFill>
+                          <a:schemeClr val="tx1"/>
+                        </a:solidFill>
+                        <a:latin typeface="Cambria Math" charset="0"/>
+                        <a:ea typeface="Cambria Math" charset="0"/>
+                        <a:cs typeface="Cambria Math" charset="0"/>
+                        <a:sym typeface="Wingdings"/>
+                      </a:rPr>
+                      <m:t>: </m:t>
+                    </m:r>
+                  </m:oMath>
+                </a14:m>
+                <a:r>
+                  <a:rPr lang="en-US" dirty="0" smtClean="0">
+                    <a:solidFill>
+                      <a:schemeClr val="tx1"/>
+                    </a:solidFill>
+                  </a:rPr>
+                  <a:t>{r1:0,r2:0}</a:t>
+                </a:r>
+                <a:endParaRPr lang="en-US" dirty="0">
+                  <a:solidFill>
+                    <a:schemeClr val="tx1"/>
+                  </a:solidFill>
+                </a:endParaRPr>
+              </a:p>
+            </p:txBody>
+          </p:sp>
+        </mc:Choice>
+        <mc:Fallback>
+          <p:sp>
+            <p:nvSpPr>
+              <p:cNvPr id="5" name="Rounded Rectangle 4"/>
+              <p:cNvSpPr>
+                <a:spLocks noRot="1" noChangeAspect="1" noMove="1" noResize="1" noEditPoints="1" noAdjustHandles="1" noChangeArrowheads="1" noChangeShapeType="1" noTextEdit="1"/>
+              </p:cNvSpPr>
+              <p:nvPr/>
+            </p:nvSpPr>
+            <p:spPr>
+              <a:xfrm>
+                <a:off x="2501153" y="354099"/>
+                <a:ext cx="2148168" cy="470647"/>
+              </a:xfrm>
+              <a:prstGeom prst="roundRect">
+                <a:avLst/>
+              </a:prstGeom>
+              <a:blipFill rotWithShape="0">
+                <a:blip r:embed="rId2"/>
+                <a:stretch>
+                  <a:fillRect t="-36364" b="-114286"/>
+                </a:stretch>
+              </a:blipFill>
+              <a:ln>
+                <a:noFill/>
+              </a:ln>
+            </p:spPr>
+            <p:txBody>
+              <a:bodyPr/>
+              <a:lstStyle/>
+              <a:p>
+                <a:r>
+                  <a:rPr lang="en-US">
+                    <a:noFill/>
+                  </a:rPr>
+                  <a:t> </a:t>
+                </a:r>
+              </a:p>
+            </p:txBody>
+          </p:sp>
+        </mc:Fallback>
+      </mc:AlternateContent>
+      <mc:AlternateContent xmlns:mc="http://schemas.openxmlformats.org/markup-compatibility/2006">
+        <mc:Choice xmlns:a14="http://schemas.microsoft.com/office/drawing/2010/main" Requires="a14">
+          <p:sp>
+            <p:nvSpPr>
+              <p:cNvPr id="6" name="Rounded Rectangle 5"/>
+              <p:cNvSpPr/>
+              <p:nvPr/>
+            </p:nvSpPr>
+            <p:spPr>
+              <a:xfrm>
+                <a:off x="1339099" y="1192300"/>
+                <a:ext cx="2345391" cy="470647"/>
+              </a:xfrm>
+              <a:prstGeom prst="roundRect">
+                <a:avLst/>
+              </a:prstGeom>
+              <a:noFill/>
+              <a:ln>
+                <a:noFill/>
+              </a:ln>
+            </p:spPr>
+            <p:style>
+              <a:lnRef idx="2">
+                <a:schemeClr val="accent1">
+                  <a:shade val="50000"/>
+                </a:schemeClr>
+              </a:lnRef>
+              <a:fillRef idx="1">
+                <a:schemeClr val="accent1"/>
+              </a:fillRef>
+              <a:effectRef idx="0">
+                <a:schemeClr val="accent1"/>
+              </a:effectRef>
+              <a:fontRef idx="minor">
+                <a:schemeClr val="lt1"/>
+              </a:fontRef>
+            </p:style>
+            <p:txBody>
+              <a:bodyPr rtlCol="0" anchor="ctr"/>
+              <a:lstStyle/>
+              <a:p>
+                <a:pPr algn="ctr"/>
+                <a:r>
+                  <a:rPr lang="en-US" dirty="0" smtClean="0">
+                    <a:solidFill>
+                      <a:schemeClr val="tx1"/>
+                    </a:solidFill>
+                  </a:rPr>
+                  <a:t>I</a:t>
+                </a:r>
+                <a:r>
+                  <a:rPr lang="en-US" baseline="-25000" dirty="0" smtClean="0">
+                    <a:solidFill>
+                      <a:schemeClr val="tx1"/>
+                    </a:solidFill>
+                  </a:rPr>
+                  <a:t>1</a:t>
+                </a:r>
+                <a:r>
+                  <a:rPr lang="en-US" dirty="0" smtClean="0">
+                    <a:solidFill>
+                      <a:schemeClr val="tx1"/>
+                    </a:solidFill>
+                  </a:rPr>
+                  <a:t>: {r1:1} </a:t>
+                </a:r>
+                <a:r>
+                  <a:rPr lang="en-US" dirty="0" smtClean="0">
+                    <a:solidFill>
+                      <a:schemeClr val="tx1"/>
+                    </a:solidFill>
+                    <a:sym typeface="Wingdings"/>
+                  </a:rPr>
+                  <a:t></a:t>
+                </a:r>
+                <a:r>
+                  <a:rPr lang="en-US" dirty="0" smtClean="0">
+                    <a:solidFill>
+                      <a:schemeClr val="tx1"/>
+                    </a:solidFill>
+                  </a:rPr>
+                  <a:t> </a:t>
+                </a:r>
+                <a14:m>
+                  <m:oMath xmlns:m="http://schemas.openxmlformats.org/officeDocument/2006/math">
+                    <m:r>
+                      <a:rPr lang="en-US" i="1">
+                        <a:solidFill>
+                          <a:schemeClr val="tx1"/>
+                        </a:solidFill>
+                        <a:latin typeface="Cambria Math" charset="0"/>
+                        <a:ea typeface="Cambria Math" charset="0"/>
+                        <a:cs typeface="Cambria Math" charset="0"/>
+                        <a:sym typeface="Wingdings"/>
+                      </a:rPr>
+                      <m:t>𝜏</m:t>
+                    </m:r>
+                    <m:r>
+                      <a:rPr lang="en-US" b="0" i="1" baseline="-25000" smtClean="0">
+                        <a:solidFill>
+                          <a:schemeClr val="tx1"/>
+                        </a:solidFill>
+                        <a:latin typeface="Cambria Math" charset="0"/>
+                        <a:ea typeface="Cambria Math" charset="0"/>
+                        <a:cs typeface="Cambria Math" charset="0"/>
+                        <a:sym typeface="Wingdings"/>
+                      </a:rPr>
+                      <m:t>1</m:t>
+                    </m:r>
+                    <m:r>
+                      <a:rPr lang="en-US" i="1">
+                        <a:solidFill>
+                          <a:schemeClr val="tx1"/>
+                        </a:solidFill>
+                        <a:latin typeface="Cambria Math" charset="0"/>
+                        <a:ea typeface="Cambria Math" charset="0"/>
+                        <a:cs typeface="Cambria Math" charset="0"/>
+                        <a:sym typeface="Wingdings"/>
+                      </a:rPr>
+                      <m:t>: </m:t>
+                    </m:r>
+                  </m:oMath>
+                </a14:m>
+                <a:r>
+                  <a:rPr lang="en-US" dirty="0" smtClean="0">
+                    <a:solidFill>
+                      <a:schemeClr val="tx1"/>
+                    </a:solidFill>
+                  </a:rPr>
+                  <a:t>{r1:1,r2:0}</a:t>
+                </a:r>
+                <a:endParaRPr lang="en-US" dirty="0">
+                  <a:solidFill>
+                    <a:schemeClr val="tx1"/>
+                  </a:solidFill>
+                </a:endParaRPr>
+              </a:p>
+            </p:txBody>
+          </p:sp>
+        </mc:Choice>
+        <mc:Fallback>
+          <p:sp>
+            <p:nvSpPr>
+              <p:cNvPr id="6" name="Rounded Rectangle 5"/>
+              <p:cNvSpPr>
+                <a:spLocks noRot="1" noChangeAspect="1" noMove="1" noResize="1" noEditPoints="1" noAdjustHandles="1" noChangeArrowheads="1" noChangeShapeType="1" noTextEdit="1"/>
+              </p:cNvSpPr>
+              <p:nvPr/>
+            </p:nvSpPr>
+            <p:spPr>
+              <a:xfrm>
+                <a:off x="1339099" y="1192300"/>
+                <a:ext cx="2345391" cy="470647"/>
+              </a:xfrm>
+              <a:prstGeom prst="roundRect">
+                <a:avLst/>
+              </a:prstGeom>
+              <a:blipFill rotWithShape="0">
+                <a:blip r:embed="rId3"/>
+                <a:stretch>
+                  <a:fillRect t="-36364" b="-114286"/>
+                </a:stretch>
+              </a:blipFill>
+              <a:ln>
+                <a:noFill/>
+              </a:ln>
+            </p:spPr>
+            <p:txBody>
+              <a:bodyPr/>
+              <a:lstStyle/>
+              <a:p>
+                <a:r>
+                  <a:rPr lang="en-US">
+                    <a:noFill/>
+                  </a:rPr>
+                  <a:t> </a:t>
+                </a:r>
+              </a:p>
+            </p:txBody>
+          </p:sp>
+        </mc:Fallback>
+      </mc:AlternateContent>
+      <mc:AlternateContent xmlns:mc="http://schemas.openxmlformats.org/markup-compatibility/2006">
+        <mc:Choice xmlns:a14="http://schemas.microsoft.com/office/drawing/2010/main" Requires="a14">
+          <p:sp>
+            <p:nvSpPr>
+              <p:cNvPr id="7" name="Rounded Rectangle 6"/>
+              <p:cNvSpPr/>
+              <p:nvPr/>
+            </p:nvSpPr>
+            <p:spPr>
+              <a:xfrm>
+                <a:off x="3473824" y="1192299"/>
+                <a:ext cx="2335867" cy="470647"/>
+              </a:xfrm>
+              <a:prstGeom prst="roundRect">
+                <a:avLst/>
+              </a:prstGeom>
+              <a:noFill/>
+              <a:ln>
+                <a:noFill/>
+              </a:ln>
+            </p:spPr>
+            <p:style>
+              <a:lnRef idx="2">
+                <a:schemeClr val="accent1">
+                  <a:shade val="50000"/>
+                </a:schemeClr>
+              </a:lnRef>
+              <a:fillRef idx="1">
+                <a:schemeClr val="accent1"/>
+              </a:fillRef>
+              <a:effectRef idx="0">
+                <a:schemeClr val="accent1"/>
+              </a:effectRef>
+              <a:fontRef idx="minor">
+                <a:schemeClr val="lt1"/>
+              </a:fontRef>
+            </p:style>
+            <p:txBody>
+              <a:bodyPr rtlCol="0" anchor="ctr"/>
+              <a:lstStyle/>
+              <a:p>
+                <a:pPr algn="ctr"/>
+                <a:r>
+                  <a:rPr lang="en-US" dirty="0" smtClean="0">
+                    <a:solidFill>
+                      <a:schemeClr val="tx1"/>
+                    </a:solidFill>
+                  </a:rPr>
+                  <a:t>I</a:t>
+                </a:r>
+                <a:r>
+                  <a:rPr lang="en-US" baseline="-25000" dirty="0" smtClean="0">
+                    <a:solidFill>
+                      <a:schemeClr val="tx1"/>
+                    </a:solidFill>
+                  </a:rPr>
+                  <a:t>2</a:t>
+                </a:r>
+                <a:r>
+                  <a:rPr lang="en-US" dirty="0" smtClean="0">
+                    <a:solidFill>
+                      <a:schemeClr val="tx1"/>
+                    </a:solidFill>
+                  </a:rPr>
+                  <a:t>: {r2:1} </a:t>
+                </a:r>
+                <a:r>
+                  <a:rPr lang="en-US" dirty="0" smtClean="0">
+                    <a:solidFill>
+                      <a:schemeClr val="tx1"/>
+                    </a:solidFill>
+                    <a:sym typeface="Wingdings"/>
+                  </a:rPr>
+                  <a:t></a:t>
+                </a:r>
+                <a:r>
+                  <a:rPr lang="en-US" dirty="0" smtClean="0">
+                    <a:solidFill>
+                      <a:schemeClr val="tx1"/>
+                    </a:solidFill>
+                  </a:rPr>
+                  <a:t> </a:t>
+                </a:r>
+                <a14:m>
+                  <m:oMath xmlns:m="http://schemas.openxmlformats.org/officeDocument/2006/math">
+                    <m:r>
+                      <a:rPr lang="en-US" i="1">
+                        <a:solidFill>
+                          <a:schemeClr val="tx1"/>
+                        </a:solidFill>
+                        <a:latin typeface="Cambria Math" charset="0"/>
+                        <a:ea typeface="Cambria Math" charset="0"/>
+                        <a:cs typeface="Cambria Math" charset="0"/>
+                        <a:sym typeface="Wingdings"/>
+                      </a:rPr>
+                      <m:t>𝜏</m:t>
+                    </m:r>
+                    <m:r>
+                      <a:rPr lang="en-US" b="0" i="1" baseline="-25000" smtClean="0">
+                        <a:solidFill>
+                          <a:schemeClr val="tx1"/>
+                        </a:solidFill>
+                        <a:latin typeface="Cambria Math" charset="0"/>
+                        <a:ea typeface="Cambria Math" charset="0"/>
+                        <a:cs typeface="Cambria Math" charset="0"/>
+                        <a:sym typeface="Wingdings"/>
+                      </a:rPr>
+                      <m:t>2</m:t>
+                    </m:r>
+                    <m:r>
+                      <a:rPr lang="en-US" i="1">
+                        <a:solidFill>
+                          <a:schemeClr val="tx1"/>
+                        </a:solidFill>
+                        <a:latin typeface="Cambria Math" charset="0"/>
+                        <a:ea typeface="Cambria Math" charset="0"/>
+                        <a:cs typeface="Cambria Math" charset="0"/>
+                        <a:sym typeface="Wingdings"/>
+                      </a:rPr>
+                      <m:t>: </m:t>
+                    </m:r>
+                  </m:oMath>
+                </a14:m>
+                <a:r>
+                  <a:rPr lang="en-US" dirty="0" smtClean="0">
+                    <a:solidFill>
+                      <a:schemeClr val="tx1"/>
+                    </a:solidFill>
+                  </a:rPr>
+                  <a:t>{r1:0,r2:1}</a:t>
+                </a:r>
+                <a:endParaRPr lang="en-US" dirty="0">
+                  <a:solidFill>
+                    <a:schemeClr val="tx1"/>
+                  </a:solidFill>
+                </a:endParaRPr>
+              </a:p>
+            </p:txBody>
+          </p:sp>
+        </mc:Choice>
+        <mc:Fallback>
+          <p:sp>
+            <p:nvSpPr>
+              <p:cNvPr id="7" name="Rounded Rectangle 6"/>
+              <p:cNvSpPr>
+                <a:spLocks noRot="1" noChangeAspect="1" noMove="1" noResize="1" noEditPoints="1" noAdjustHandles="1" noChangeArrowheads="1" noChangeShapeType="1" noTextEdit="1"/>
+              </p:cNvSpPr>
+              <p:nvPr/>
+            </p:nvSpPr>
+            <p:spPr>
+              <a:xfrm>
+                <a:off x="3473824" y="1192299"/>
+                <a:ext cx="2335867" cy="470647"/>
+              </a:xfrm>
+              <a:prstGeom prst="roundRect">
+                <a:avLst/>
+              </a:prstGeom>
+              <a:blipFill rotWithShape="0">
+                <a:blip r:embed="rId4"/>
+                <a:stretch>
+                  <a:fillRect t="-36364" b="-114286"/>
+                </a:stretch>
+              </a:blipFill>
+              <a:ln>
+                <a:noFill/>
+              </a:ln>
+            </p:spPr>
+            <p:txBody>
+              <a:bodyPr/>
+              <a:lstStyle/>
+              <a:p>
+                <a:r>
+                  <a:rPr lang="en-US">
+                    <a:noFill/>
+                  </a:rPr>
+                  <a:t> </a:t>
+                </a:r>
+              </a:p>
+            </p:txBody>
+          </p:sp>
+        </mc:Fallback>
+      </mc:AlternateContent>
+      <mc:AlternateContent xmlns:mc="http://schemas.openxmlformats.org/markup-compatibility/2006">
+        <mc:Choice xmlns:a14="http://schemas.microsoft.com/office/drawing/2010/main" Requires="a14">
+          <p:sp>
+            <p:nvSpPr>
+              <p:cNvPr id="8" name="Rounded Rectangle 7"/>
+              <p:cNvSpPr/>
+              <p:nvPr/>
+            </p:nvSpPr>
+            <p:spPr>
+              <a:xfrm>
+                <a:off x="935689" y="2043947"/>
+                <a:ext cx="2547097" cy="470647"/>
+              </a:xfrm>
+              <a:prstGeom prst="roundRect">
+                <a:avLst/>
+              </a:prstGeom>
+              <a:noFill/>
+              <a:ln>
+                <a:noFill/>
+              </a:ln>
+            </p:spPr>
+            <p:style>
+              <a:lnRef idx="2">
+                <a:schemeClr val="accent1">
+                  <a:shade val="50000"/>
+                </a:schemeClr>
+              </a:lnRef>
+              <a:fillRef idx="1">
+                <a:schemeClr val="accent1"/>
+              </a:fillRef>
+              <a:effectRef idx="0">
+                <a:schemeClr val="accent1"/>
+              </a:effectRef>
+              <a:fontRef idx="minor">
+                <a:schemeClr val="lt1"/>
+              </a:fontRef>
+            </p:style>
+            <p:txBody>
+              <a:bodyPr rtlCol="0" anchor="ctr"/>
+              <a:lstStyle/>
+              <a:p>
+                <a:pPr algn="ctr"/>
+                <a:r>
+                  <a:rPr lang="en-US" dirty="0" smtClean="0">
+                    <a:solidFill>
+                      <a:schemeClr val="tx1"/>
+                    </a:solidFill>
+                  </a:rPr>
+                  <a:t>I</a:t>
+                </a:r>
+                <a:r>
+                  <a:rPr lang="en-US" baseline="-25000" dirty="0" smtClean="0">
+                    <a:solidFill>
+                      <a:schemeClr val="tx1"/>
+                    </a:solidFill>
+                  </a:rPr>
+                  <a:t>3</a:t>
+                </a:r>
+                <a:r>
+                  <a:rPr lang="en-US" dirty="0" smtClean="0">
+                    <a:solidFill>
+                      <a:schemeClr val="tx1"/>
+                    </a:solidFill>
+                  </a:rPr>
+                  <a:t>: {r1:1,r2:1} </a:t>
+                </a:r>
+                <a:r>
+                  <a:rPr lang="en-US" dirty="0" smtClean="0">
+                    <a:solidFill>
+                      <a:schemeClr val="tx1"/>
+                    </a:solidFill>
+                    <a:sym typeface="Wingdings"/>
+                  </a:rPr>
+                  <a:t></a:t>
+                </a:r>
+                <a:r>
+                  <a:rPr lang="en-US" dirty="0" smtClean="0">
+                    <a:solidFill>
+                      <a:schemeClr val="tx1"/>
+                    </a:solidFill>
+                  </a:rPr>
+                  <a:t> </a:t>
+                </a:r>
+                <a14:m>
+                  <m:oMath xmlns:m="http://schemas.openxmlformats.org/officeDocument/2006/math">
+                    <m:r>
+                      <a:rPr lang="en-US" i="1">
+                        <a:solidFill>
+                          <a:schemeClr val="tx1"/>
+                        </a:solidFill>
+                        <a:latin typeface="Cambria Math" charset="0"/>
+                        <a:ea typeface="Cambria Math" charset="0"/>
+                        <a:cs typeface="Cambria Math" charset="0"/>
+                        <a:sym typeface="Wingdings"/>
+                      </a:rPr>
+                      <m:t>𝜏</m:t>
+                    </m:r>
+                    <m:r>
+                      <a:rPr lang="en-US" b="0" i="1" baseline="-25000" smtClean="0">
+                        <a:solidFill>
+                          <a:schemeClr val="tx1"/>
+                        </a:solidFill>
+                        <a:latin typeface="Cambria Math" charset="0"/>
+                        <a:ea typeface="Cambria Math" charset="0"/>
+                        <a:cs typeface="Cambria Math" charset="0"/>
+                        <a:sym typeface="Wingdings"/>
+                      </a:rPr>
+                      <m:t>3</m:t>
+                    </m:r>
+                    <m:r>
+                      <a:rPr lang="en-US" i="1">
+                        <a:solidFill>
+                          <a:schemeClr val="tx1"/>
+                        </a:solidFill>
+                        <a:latin typeface="Cambria Math" charset="0"/>
+                        <a:ea typeface="Cambria Math" charset="0"/>
+                        <a:cs typeface="Cambria Math" charset="0"/>
+                        <a:sym typeface="Wingdings"/>
+                      </a:rPr>
+                      <m:t>: </m:t>
+                    </m:r>
+                  </m:oMath>
+                </a14:m>
+                <a:r>
+                  <a:rPr lang="en-US" dirty="0" smtClean="0">
+                    <a:solidFill>
+                      <a:schemeClr val="tx1"/>
+                    </a:solidFill>
+                  </a:rPr>
+                  <a:t>{r1:1,1}</a:t>
+                </a:r>
+                <a:endParaRPr lang="en-US" dirty="0">
+                  <a:solidFill>
+                    <a:schemeClr val="tx1"/>
+                  </a:solidFill>
+                </a:endParaRPr>
+              </a:p>
+            </p:txBody>
+          </p:sp>
+        </mc:Choice>
+        <mc:Fallback>
+          <p:sp>
+            <p:nvSpPr>
+              <p:cNvPr id="8" name="Rounded Rectangle 7"/>
+              <p:cNvSpPr>
+                <a:spLocks noRot="1" noChangeAspect="1" noMove="1" noResize="1" noEditPoints="1" noAdjustHandles="1" noChangeArrowheads="1" noChangeShapeType="1" noTextEdit="1"/>
+              </p:cNvSpPr>
+              <p:nvPr/>
+            </p:nvSpPr>
+            <p:spPr>
+              <a:xfrm>
+                <a:off x="935689" y="2043947"/>
+                <a:ext cx="2547097" cy="470647"/>
+              </a:xfrm>
+              <a:prstGeom prst="roundRect">
+                <a:avLst/>
+              </a:prstGeom>
+              <a:blipFill rotWithShape="0">
+                <a:blip r:embed="rId5"/>
+                <a:stretch>
+                  <a:fillRect t="-35065" b="-115584"/>
+                </a:stretch>
+              </a:blipFill>
+              <a:ln>
+                <a:noFill/>
+              </a:ln>
+            </p:spPr>
+            <p:txBody>
+              <a:bodyPr/>
+              <a:lstStyle/>
+              <a:p>
+                <a:r>
+                  <a:rPr lang="en-US">
+                    <a:noFill/>
+                  </a:rPr>
+                  <a:t> </a:t>
+                </a:r>
+              </a:p>
+            </p:txBody>
+          </p:sp>
+        </mc:Fallback>
+      </mc:AlternateContent>
+      <mc:AlternateContent xmlns:mc="http://schemas.openxmlformats.org/markup-compatibility/2006">
+        <mc:Choice xmlns:a14="http://schemas.microsoft.com/office/drawing/2010/main" Requires="a14">
+          <p:sp>
+            <p:nvSpPr>
+              <p:cNvPr id="9" name="Rounded Rectangle 8"/>
+              <p:cNvSpPr/>
+              <p:nvPr/>
+            </p:nvSpPr>
+            <p:spPr>
+              <a:xfrm>
+                <a:off x="3543299" y="2043947"/>
+                <a:ext cx="2775998" cy="470647"/>
+              </a:xfrm>
+              <a:prstGeom prst="roundRect">
+                <a:avLst/>
+              </a:prstGeom>
+              <a:noFill/>
+              <a:ln>
+                <a:noFill/>
+              </a:ln>
+            </p:spPr>
+            <p:style>
+              <a:lnRef idx="2">
+                <a:schemeClr val="accent1">
+                  <a:shade val="50000"/>
+                </a:schemeClr>
+              </a:lnRef>
+              <a:fillRef idx="1">
+                <a:schemeClr val="accent1"/>
+              </a:fillRef>
+              <a:effectRef idx="0">
+                <a:schemeClr val="accent1"/>
+              </a:effectRef>
+              <a:fontRef idx="minor">
+                <a:schemeClr val="lt1"/>
+              </a:fontRef>
+            </p:style>
+            <p:txBody>
+              <a:bodyPr rtlCol="0" anchor="ctr"/>
+              <a:lstStyle/>
+              <a:p>
+                <a:pPr algn="ctr"/>
+                <a:r>
+                  <a:rPr lang="en-US" dirty="0" smtClean="0">
+                    <a:solidFill>
+                      <a:schemeClr val="tx1"/>
+                    </a:solidFill>
+                  </a:rPr>
+                  <a:t>I</a:t>
+                </a:r>
+                <a:r>
+                  <a:rPr lang="en-US" baseline="-25000" dirty="0" smtClean="0">
+                    <a:solidFill>
+                      <a:schemeClr val="tx1"/>
+                    </a:solidFill>
+                  </a:rPr>
+                  <a:t>4</a:t>
+                </a:r>
+                <a:r>
+                  <a:rPr lang="en-US" dirty="0" smtClean="0">
+                    <a:solidFill>
+                      <a:schemeClr val="tx1"/>
+                    </a:solidFill>
+                  </a:rPr>
+                  <a:t>: {r1:1,r2:1} </a:t>
+                </a:r>
+                <a:r>
+                  <a:rPr lang="en-US" dirty="0" smtClean="0">
+                    <a:solidFill>
+                      <a:schemeClr val="tx1"/>
+                    </a:solidFill>
+                    <a:sym typeface="Wingdings"/>
+                  </a:rPr>
+                  <a:t></a:t>
+                </a:r>
+                <a:r>
+                  <a:rPr lang="en-US" dirty="0" smtClean="0">
+                    <a:solidFill>
+                      <a:schemeClr val="tx1"/>
+                    </a:solidFill>
+                  </a:rPr>
+                  <a:t> </a:t>
+                </a:r>
+                <a14:m>
+                  <m:oMath xmlns:m="http://schemas.openxmlformats.org/officeDocument/2006/math">
+                    <m:r>
+                      <a:rPr lang="en-US" i="1">
+                        <a:solidFill>
+                          <a:schemeClr val="tx1"/>
+                        </a:solidFill>
+                        <a:latin typeface="Cambria Math" charset="0"/>
+                        <a:ea typeface="Cambria Math" charset="0"/>
+                        <a:cs typeface="Cambria Math" charset="0"/>
+                        <a:sym typeface="Wingdings"/>
+                      </a:rPr>
+                      <m:t>𝜏</m:t>
+                    </m:r>
+                    <m:r>
+                      <a:rPr lang="en-US" b="0" i="1" baseline="-25000" smtClean="0">
+                        <a:solidFill>
+                          <a:schemeClr val="tx1"/>
+                        </a:solidFill>
+                        <a:latin typeface="Cambria Math" charset="0"/>
+                        <a:ea typeface="Cambria Math" charset="0"/>
+                        <a:cs typeface="Cambria Math" charset="0"/>
+                        <a:sym typeface="Wingdings"/>
+                      </a:rPr>
+                      <m:t>4</m:t>
+                    </m:r>
+                    <m:r>
+                      <a:rPr lang="en-US" i="1">
+                        <a:solidFill>
+                          <a:schemeClr val="tx1"/>
+                        </a:solidFill>
+                        <a:latin typeface="Cambria Math" charset="0"/>
+                        <a:ea typeface="Cambria Math" charset="0"/>
+                        <a:cs typeface="Cambria Math" charset="0"/>
+                        <a:sym typeface="Wingdings"/>
+                      </a:rPr>
+                      <m:t>: </m:t>
+                    </m:r>
+                  </m:oMath>
+                </a14:m>
+                <a:r>
+                  <a:rPr lang="en-US" dirty="0" smtClean="0">
+                    <a:solidFill>
+                      <a:schemeClr val="tx1"/>
+                    </a:solidFill>
+                  </a:rPr>
+                  <a:t>{r1:1,r2:1}</a:t>
+                </a:r>
+                <a:endParaRPr lang="en-US" dirty="0">
+                  <a:solidFill>
+                    <a:schemeClr val="tx1"/>
+                  </a:solidFill>
+                </a:endParaRPr>
+              </a:p>
+            </p:txBody>
+          </p:sp>
+        </mc:Choice>
+        <mc:Fallback>
+          <p:sp>
+            <p:nvSpPr>
+              <p:cNvPr id="9" name="Rounded Rectangle 8"/>
+              <p:cNvSpPr>
+                <a:spLocks noRot="1" noChangeAspect="1" noMove="1" noResize="1" noEditPoints="1" noAdjustHandles="1" noChangeArrowheads="1" noChangeShapeType="1" noTextEdit="1"/>
+              </p:cNvSpPr>
+              <p:nvPr/>
+            </p:nvSpPr>
+            <p:spPr>
+              <a:xfrm>
+                <a:off x="3543299" y="2043947"/>
+                <a:ext cx="2775998" cy="470647"/>
+              </a:xfrm>
+              <a:prstGeom prst="roundRect">
+                <a:avLst/>
+              </a:prstGeom>
+              <a:blipFill rotWithShape="0">
+                <a:blip r:embed="rId6"/>
+                <a:stretch>
+                  <a:fillRect t="-35065" b="-115584"/>
+                </a:stretch>
+              </a:blipFill>
+              <a:ln>
+                <a:noFill/>
+              </a:ln>
+            </p:spPr>
+            <p:txBody>
+              <a:bodyPr/>
+              <a:lstStyle/>
+              <a:p>
+                <a:r>
+                  <a:rPr lang="en-US">
+                    <a:noFill/>
+                  </a:rPr>
+                  <a:t> </a:t>
+                </a:r>
+              </a:p>
+            </p:txBody>
+          </p:sp>
+        </mc:Fallback>
+      </mc:AlternateContent>
+      <p:cxnSp>
+        <p:nvCxnSpPr>
+          <p:cNvPr id="11" name="Straight Arrow Connector 10"/>
+          <p:cNvCxnSpPr>
+            <a:stCxn id="5" idx="2"/>
+            <a:endCxn id="6" idx="0"/>
+          </p:cNvCxnSpPr>
+          <p:nvPr/>
+        </p:nvCxnSpPr>
+        <p:spPr>
+          <a:xfrm flipH="1">
+            <a:off x="2511795" y="824746"/>
+            <a:ext cx="1063442" cy="367554"/>
+          </a:xfrm>
+          <a:prstGeom prst="straightConnector1">
+            <a:avLst/>
+          </a:prstGeom>
+          <a:ln>
+            <a:solidFill>
+              <a:schemeClr val="tx1"/>
+            </a:solidFill>
+            <a:tailEnd type="triangle"/>
+          </a:ln>
+        </p:spPr>
+        <p:style>
+          <a:lnRef idx="1">
+            <a:schemeClr val="accent1"/>
+          </a:lnRef>
+          <a:fillRef idx="0">
+            <a:schemeClr val="accent1"/>
+          </a:fillRef>
+          <a:effectRef idx="0">
+            <a:schemeClr val="accent1"/>
+          </a:effectRef>
+          <a:fontRef idx="minor">
+            <a:schemeClr val="tx1"/>
+          </a:fontRef>
+        </p:style>
+      </p:cxnSp>
+      <p:cxnSp>
+        <p:nvCxnSpPr>
+          <p:cNvPr id="13" name="Straight Arrow Connector 12"/>
+          <p:cNvCxnSpPr>
+            <a:stCxn id="5" idx="2"/>
+            <a:endCxn id="7" idx="0"/>
+          </p:cNvCxnSpPr>
+          <p:nvPr/>
+        </p:nvCxnSpPr>
+        <p:spPr>
+          <a:xfrm>
+            <a:off x="3575237" y="824746"/>
+            <a:ext cx="1066521" cy="367553"/>
+          </a:xfrm>
+          <a:prstGeom prst="straightConnector1">
+            <a:avLst/>
+          </a:prstGeom>
+          <a:ln>
+            <a:solidFill>
+              <a:schemeClr val="tx1"/>
+            </a:solidFill>
+            <a:tailEnd type="triangle"/>
+          </a:ln>
+        </p:spPr>
+        <p:style>
+          <a:lnRef idx="1">
+            <a:schemeClr val="accent1"/>
+          </a:lnRef>
+          <a:fillRef idx="0">
+            <a:schemeClr val="accent1"/>
+          </a:fillRef>
+          <a:effectRef idx="0">
+            <a:schemeClr val="accent1"/>
+          </a:effectRef>
+          <a:fontRef idx="minor">
+            <a:schemeClr val="tx1"/>
+          </a:fontRef>
+        </p:style>
+      </p:cxnSp>
+      <p:cxnSp>
+        <p:nvCxnSpPr>
+          <p:cNvPr id="15" name="Straight Arrow Connector 14"/>
+          <p:cNvCxnSpPr>
+            <a:stCxn id="6" idx="2"/>
+            <a:endCxn id="8" idx="0"/>
+          </p:cNvCxnSpPr>
+          <p:nvPr/>
+        </p:nvCxnSpPr>
+        <p:spPr>
+          <a:xfrm flipH="1">
+            <a:off x="2209238" y="1662947"/>
+            <a:ext cx="302557" cy="381000"/>
+          </a:xfrm>
+          <a:prstGeom prst="straightConnector1">
+            <a:avLst/>
+          </a:prstGeom>
+          <a:ln>
+            <a:solidFill>
+              <a:schemeClr val="tx1"/>
+            </a:solidFill>
+            <a:tailEnd type="triangle"/>
+          </a:ln>
+        </p:spPr>
+        <p:style>
+          <a:lnRef idx="1">
+            <a:schemeClr val="accent1"/>
+          </a:lnRef>
+          <a:fillRef idx="0">
+            <a:schemeClr val="accent1"/>
+          </a:fillRef>
+          <a:effectRef idx="0">
+            <a:schemeClr val="accent1"/>
+          </a:effectRef>
+          <a:fontRef idx="minor">
+            <a:schemeClr val="tx1"/>
+          </a:fontRef>
+        </p:style>
+      </p:cxnSp>
+      <p:cxnSp>
+        <p:nvCxnSpPr>
+          <p:cNvPr id="17" name="Straight Arrow Connector 16"/>
+          <p:cNvCxnSpPr>
+            <a:stCxn id="7" idx="2"/>
+            <a:endCxn id="9" idx="0"/>
+          </p:cNvCxnSpPr>
+          <p:nvPr/>
+        </p:nvCxnSpPr>
+        <p:spPr>
+          <a:xfrm>
+            <a:off x="4641758" y="1662946"/>
+            <a:ext cx="289540" cy="381001"/>
+          </a:xfrm>
+          <a:prstGeom prst="straightConnector1">
+            <a:avLst/>
+          </a:prstGeom>
+          <a:ln>
+            <a:solidFill>
+              <a:schemeClr val="tx1"/>
+            </a:solidFill>
+            <a:tailEnd type="triangle"/>
+          </a:ln>
+        </p:spPr>
+        <p:style>
+          <a:lnRef idx="1">
+            <a:schemeClr val="accent1"/>
+          </a:lnRef>
+          <a:fillRef idx="0">
+            <a:schemeClr val="accent1"/>
+          </a:fillRef>
+          <a:effectRef idx="0">
+            <a:schemeClr val="accent1"/>
+          </a:effectRef>
+          <a:fontRef idx="minor">
+            <a:schemeClr val="tx1"/>
+          </a:fontRef>
+        </p:style>
+      </p:cxnSp>
+      <mc:AlternateContent xmlns:mc="http://schemas.openxmlformats.org/markup-compatibility/2006">
+        <mc:Choice xmlns:a14="http://schemas.microsoft.com/office/drawing/2010/main" Requires="a14">
+          <p:sp>
+            <p:nvSpPr>
+              <p:cNvPr id="19" name="Rounded Rectangle 18"/>
+              <p:cNvSpPr/>
+              <p:nvPr/>
+            </p:nvSpPr>
+            <p:spPr>
+              <a:xfrm>
+                <a:off x="6716819" y="323612"/>
+                <a:ext cx="2264152" cy="470647"/>
+              </a:xfrm>
+              <a:prstGeom prst="roundRect">
+                <a:avLst/>
+              </a:prstGeom>
+              <a:noFill/>
+              <a:ln>
+                <a:noFill/>
+              </a:ln>
+            </p:spPr>
+            <p:style>
+              <a:lnRef idx="2">
+                <a:schemeClr val="accent1">
+                  <a:shade val="50000"/>
+                </a:schemeClr>
+              </a:lnRef>
+              <a:fillRef idx="1">
+                <a:schemeClr val="accent1"/>
+              </a:fillRef>
+              <a:effectRef idx="0">
+                <a:schemeClr val="accent1"/>
+              </a:effectRef>
+              <a:fontRef idx="minor">
+                <a:schemeClr val="lt1"/>
+              </a:fontRef>
+            </p:style>
+            <p:txBody>
+              <a:bodyPr rtlCol="0" anchor="ctr"/>
+              <a:lstStyle/>
+              <a:p>
+                <a:pPr algn="ctr"/>
+                <a:r>
+                  <a:rPr lang="en-US" dirty="0" smtClean="0">
+                    <a:solidFill>
+                      <a:schemeClr val="tx1"/>
+                    </a:solidFill>
+                  </a:rPr>
+                  <a:t>I</a:t>
+                </a:r>
+                <a:r>
+                  <a:rPr lang="en-US" baseline="-25000" dirty="0">
+                    <a:solidFill>
+                      <a:schemeClr val="tx1"/>
+                    </a:solidFill>
+                  </a:rPr>
+                  <a:t>0</a:t>
+                </a:r>
+                <a:r>
+                  <a:rPr lang="en-US" dirty="0">
+                    <a:solidFill>
+                      <a:schemeClr val="tx1"/>
+                    </a:solidFill>
+                  </a:rPr>
+                  <a:t>: </a:t>
+                </a:r>
+                <a:r>
+                  <a:rPr lang="en-US" dirty="0" smtClean="0">
+                    <a:solidFill>
+                      <a:schemeClr val="tx1"/>
+                    </a:solidFill>
+                  </a:rPr>
+                  <a:t>{</a:t>
+                </a:r>
+                <a14:m>
+                  <m:oMath xmlns:m="http://schemas.openxmlformats.org/officeDocument/2006/math">
+                    <m:r>
+                      <a:rPr lang="en-US" i="1">
+                        <a:solidFill>
+                          <a:schemeClr val="tx1"/>
+                        </a:solidFill>
+                        <a:latin typeface="Cambria Math" charset="0"/>
+                        <a:ea typeface="Cambria Math" charset="0"/>
+                        <a:cs typeface="Cambria Math" charset="0"/>
+                      </a:rPr>
+                      <m:t>∅</m:t>
+                    </m:r>
+                  </m:oMath>
+                </a14:m>
+                <a:r>
+                  <a:rPr lang="en-US" dirty="0" smtClean="0">
+                    <a:solidFill>
+                      <a:schemeClr val="tx1"/>
+                    </a:solidFill>
+                    <a:sym typeface="Wingdings"/>
+                  </a:rPr>
+                  <a:t>,</a:t>
+                </a:r>
+                <a14:m>
+                  <m:oMath xmlns:m="http://schemas.openxmlformats.org/officeDocument/2006/math">
+                    <m:r>
+                      <a:rPr lang="en-US" i="1">
+                        <a:solidFill>
+                          <a:schemeClr val="tx1"/>
+                        </a:solidFill>
+                        <a:latin typeface="Cambria Math" charset="0"/>
+                        <a:ea typeface="Cambria Math" charset="0"/>
+                        <a:cs typeface="Cambria Math" charset="0"/>
+                      </a:rPr>
+                      <m:t>∅</m:t>
+                    </m:r>
+                  </m:oMath>
+                </a14:m>
+                <a:r>
+                  <a:rPr lang="en-US" dirty="0" smtClean="0">
+                    <a:solidFill>
+                      <a:schemeClr val="tx1"/>
+                    </a:solidFill>
+                    <a:sym typeface="Wingdings"/>
+                  </a:rPr>
+                  <a:t>}  </a:t>
+                </a:r>
+                <a14:m>
+                  <m:oMath xmlns:m="http://schemas.openxmlformats.org/officeDocument/2006/math">
+                    <m:r>
+                      <a:rPr lang="en-US" i="1">
+                        <a:solidFill>
+                          <a:schemeClr val="tx1"/>
+                        </a:solidFill>
+                        <a:latin typeface="Cambria Math" charset="0"/>
+                        <a:ea typeface="Cambria Math" charset="0"/>
+                        <a:cs typeface="Cambria Math" charset="0"/>
+                        <a:sym typeface="Wingdings"/>
+                      </a:rPr>
+                      <m:t>𝜏</m:t>
+                    </m:r>
+                    <m:r>
+                      <a:rPr lang="en-US" b="0" i="1" baseline="-25000" smtClean="0">
+                        <a:solidFill>
+                          <a:schemeClr val="tx1"/>
+                        </a:solidFill>
+                        <a:latin typeface="Cambria Math" charset="0"/>
+                        <a:ea typeface="Cambria Math" charset="0"/>
+                        <a:cs typeface="Cambria Math" charset="0"/>
+                        <a:sym typeface="Wingdings"/>
+                      </a:rPr>
+                      <m:t>0</m:t>
+                    </m:r>
+                    <m:r>
+                      <a:rPr lang="en-US" i="1">
+                        <a:solidFill>
+                          <a:schemeClr val="tx1"/>
+                        </a:solidFill>
+                        <a:latin typeface="Cambria Math" charset="0"/>
+                        <a:ea typeface="Cambria Math" charset="0"/>
+                        <a:cs typeface="Cambria Math" charset="0"/>
+                        <a:sym typeface="Wingdings"/>
+                      </a:rPr>
+                      <m:t>: </m:t>
+                    </m:r>
+                  </m:oMath>
+                </a14:m>
+                <a:r>
+                  <a:rPr lang="en-US" dirty="0" smtClean="0">
+                    <a:solidFill>
+                      <a:schemeClr val="tx1"/>
+                    </a:solidFill>
+                  </a:rPr>
+                  <a:t>{r1:0,r2:0}</a:t>
+                </a:r>
+                <a:endParaRPr lang="en-US" dirty="0">
+                  <a:solidFill>
+                    <a:schemeClr val="tx1"/>
+                  </a:solidFill>
+                </a:endParaRPr>
+              </a:p>
+            </p:txBody>
+          </p:sp>
+        </mc:Choice>
+        <mc:Fallback>
+          <p:sp>
+            <p:nvSpPr>
+              <p:cNvPr id="19" name="Rounded Rectangle 18"/>
+              <p:cNvSpPr>
+                <a:spLocks noRot="1" noChangeAspect="1" noMove="1" noResize="1" noEditPoints="1" noAdjustHandles="1" noChangeArrowheads="1" noChangeShapeType="1" noTextEdit="1"/>
+              </p:cNvSpPr>
+              <p:nvPr/>
+            </p:nvSpPr>
+            <p:spPr>
+              <a:xfrm>
+                <a:off x="6716819" y="323612"/>
+                <a:ext cx="2264152" cy="470647"/>
+              </a:xfrm>
+              <a:prstGeom prst="roundRect">
+                <a:avLst/>
+              </a:prstGeom>
+              <a:blipFill rotWithShape="0">
+                <a:blip r:embed="rId7"/>
+                <a:stretch>
+                  <a:fillRect t="-36364" b="-114286"/>
+                </a:stretch>
+              </a:blipFill>
+              <a:ln>
+                <a:noFill/>
+              </a:ln>
+            </p:spPr>
+            <p:txBody>
+              <a:bodyPr/>
+              <a:lstStyle/>
+              <a:p>
+                <a:r>
+                  <a:rPr lang="en-US">
+                    <a:noFill/>
+                  </a:rPr>
+                  <a:t> </a:t>
+                </a:r>
+              </a:p>
+            </p:txBody>
+          </p:sp>
+        </mc:Fallback>
+      </mc:AlternateContent>
+      <mc:AlternateContent xmlns:mc="http://schemas.openxmlformats.org/markup-compatibility/2006">
+        <mc:Choice xmlns:a14="http://schemas.microsoft.com/office/drawing/2010/main" Requires="a14">
+          <p:sp>
+            <p:nvSpPr>
+              <p:cNvPr id="20" name="Rounded Rectangle 19"/>
+              <p:cNvSpPr/>
+              <p:nvPr/>
+            </p:nvSpPr>
+            <p:spPr>
+              <a:xfrm>
+                <a:off x="5351930" y="1175261"/>
+                <a:ext cx="2884397" cy="470647"/>
+              </a:xfrm>
+              <a:prstGeom prst="roundRect">
+                <a:avLst/>
+              </a:prstGeom>
+              <a:noFill/>
+              <a:ln>
+                <a:noFill/>
+              </a:ln>
+            </p:spPr>
+            <p:style>
+              <a:lnRef idx="2">
+                <a:schemeClr val="accent1">
+                  <a:shade val="50000"/>
+                </a:schemeClr>
+              </a:lnRef>
+              <a:fillRef idx="1">
+                <a:schemeClr val="accent1"/>
+              </a:fillRef>
+              <a:effectRef idx="0">
+                <a:schemeClr val="accent1"/>
+              </a:effectRef>
+              <a:fontRef idx="minor">
+                <a:schemeClr val="lt1"/>
+              </a:fontRef>
+            </p:style>
+            <p:txBody>
+              <a:bodyPr rtlCol="0" anchor="ctr"/>
+              <a:lstStyle/>
+              <a:p>
+                <a:pPr algn="ctr"/>
+                <a:r>
+                  <a:rPr lang="en-US" dirty="0" smtClean="0">
+                    <a:solidFill>
+                      <a:schemeClr val="tx1"/>
+                    </a:solidFill>
+                  </a:rPr>
+                  <a:t>I</a:t>
+                </a:r>
+                <a:r>
+                  <a:rPr lang="en-US" baseline="-25000" dirty="0" smtClean="0">
+                    <a:solidFill>
+                      <a:schemeClr val="tx1"/>
+                    </a:solidFill>
+                  </a:rPr>
+                  <a:t>1</a:t>
+                </a:r>
+                <a:r>
+                  <a:rPr lang="en-US" dirty="0" smtClean="0">
+                    <a:solidFill>
+                      <a:schemeClr val="tx1"/>
+                    </a:solidFill>
+                  </a:rPr>
+                  <a:t>: {r1:1},{r2:0} </a:t>
+                </a:r>
+                <a:r>
+                  <a:rPr lang="en-US" dirty="0" smtClean="0">
+                    <a:solidFill>
+                      <a:schemeClr val="tx1"/>
+                    </a:solidFill>
+                    <a:sym typeface="Wingdings"/>
+                  </a:rPr>
+                  <a:t></a:t>
+                </a:r>
+                <a:r>
+                  <a:rPr lang="en-US" dirty="0" smtClean="0">
+                    <a:solidFill>
+                      <a:schemeClr val="tx1"/>
+                    </a:solidFill>
+                  </a:rPr>
+                  <a:t> </a:t>
+                </a:r>
+                <a14:m>
+                  <m:oMath xmlns:m="http://schemas.openxmlformats.org/officeDocument/2006/math">
+                    <m:r>
+                      <a:rPr lang="en-US" i="1">
+                        <a:solidFill>
+                          <a:schemeClr val="tx1"/>
+                        </a:solidFill>
+                        <a:latin typeface="Cambria Math" charset="0"/>
+                        <a:ea typeface="Cambria Math" charset="0"/>
+                        <a:cs typeface="Cambria Math" charset="0"/>
+                        <a:sym typeface="Wingdings"/>
+                      </a:rPr>
+                      <m:t>𝜏</m:t>
+                    </m:r>
+                    <m:r>
+                      <a:rPr lang="en-US" i="1" baseline="-25000">
+                        <a:solidFill>
+                          <a:schemeClr val="tx1"/>
+                        </a:solidFill>
+                        <a:latin typeface="Cambria Math" charset="0"/>
+                        <a:ea typeface="Cambria Math" charset="0"/>
+                        <a:cs typeface="Cambria Math" charset="0"/>
+                        <a:sym typeface="Wingdings"/>
+                      </a:rPr>
+                      <m:t>1</m:t>
+                    </m:r>
+                    <m:r>
+                      <a:rPr lang="en-US" i="1">
+                        <a:solidFill>
+                          <a:schemeClr val="tx1"/>
+                        </a:solidFill>
+                        <a:latin typeface="Cambria Math" charset="0"/>
+                        <a:ea typeface="Cambria Math" charset="0"/>
+                        <a:cs typeface="Cambria Math" charset="0"/>
+                        <a:sym typeface="Wingdings"/>
+                      </a:rPr>
+                      <m:t>: </m:t>
+                    </m:r>
+                  </m:oMath>
+                </a14:m>
+                <a:r>
+                  <a:rPr lang="en-US" dirty="0" smtClean="0">
+                    <a:solidFill>
+                      <a:schemeClr val="tx1"/>
+                    </a:solidFill>
+                  </a:rPr>
+                  <a:t>{r1:1,r2:0}</a:t>
+                </a:r>
+                <a:endParaRPr lang="en-US" dirty="0">
+                  <a:solidFill>
+                    <a:schemeClr val="tx1"/>
+                  </a:solidFill>
+                </a:endParaRPr>
+              </a:p>
+            </p:txBody>
+          </p:sp>
+        </mc:Choice>
+        <mc:Fallback>
+          <p:sp>
+            <p:nvSpPr>
+              <p:cNvPr id="20" name="Rounded Rectangle 19"/>
+              <p:cNvSpPr>
+                <a:spLocks noRot="1" noChangeAspect="1" noMove="1" noResize="1" noEditPoints="1" noAdjustHandles="1" noChangeArrowheads="1" noChangeShapeType="1" noTextEdit="1"/>
+              </p:cNvSpPr>
+              <p:nvPr/>
+            </p:nvSpPr>
+            <p:spPr>
+              <a:xfrm>
+                <a:off x="5351930" y="1175261"/>
+                <a:ext cx="2884397" cy="470647"/>
+              </a:xfrm>
+              <a:prstGeom prst="roundRect">
+                <a:avLst/>
+              </a:prstGeom>
+              <a:blipFill rotWithShape="0">
+                <a:blip r:embed="rId8"/>
+                <a:stretch>
+                  <a:fillRect t="-36364" b="-114286"/>
+                </a:stretch>
+              </a:blipFill>
+              <a:ln>
+                <a:noFill/>
+              </a:ln>
+            </p:spPr>
+            <p:txBody>
+              <a:bodyPr/>
+              <a:lstStyle/>
+              <a:p>
+                <a:r>
+                  <a:rPr lang="en-US">
+                    <a:noFill/>
+                  </a:rPr>
+                  <a:t> </a:t>
+                </a:r>
+              </a:p>
+            </p:txBody>
+          </p:sp>
+        </mc:Fallback>
+      </mc:AlternateContent>
+      <mc:AlternateContent xmlns:mc="http://schemas.openxmlformats.org/markup-compatibility/2006">
+        <mc:Choice xmlns:a14="http://schemas.microsoft.com/office/drawing/2010/main" Requires="a14">
+          <p:sp>
+            <p:nvSpPr>
+              <p:cNvPr id="21" name="Rounded Rectangle 20"/>
+              <p:cNvSpPr/>
+              <p:nvPr/>
+            </p:nvSpPr>
+            <p:spPr>
+              <a:xfrm>
+                <a:off x="6387366" y="1975360"/>
+                <a:ext cx="2958344" cy="470647"/>
+              </a:xfrm>
+              <a:prstGeom prst="roundRect">
+                <a:avLst/>
+              </a:prstGeom>
+              <a:noFill/>
+              <a:ln>
+                <a:noFill/>
+              </a:ln>
+            </p:spPr>
+            <p:style>
+              <a:lnRef idx="2">
+                <a:schemeClr val="accent1">
+                  <a:shade val="50000"/>
+                </a:schemeClr>
+              </a:lnRef>
+              <a:fillRef idx="1">
+                <a:schemeClr val="accent1"/>
+              </a:fillRef>
+              <a:effectRef idx="0">
+                <a:schemeClr val="accent1"/>
+              </a:effectRef>
+              <a:fontRef idx="minor">
+                <a:schemeClr val="lt1"/>
+              </a:fontRef>
+            </p:style>
+            <p:txBody>
+              <a:bodyPr rtlCol="0" anchor="ctr"/>
+              <a:lstStyle/>
+              <a:p>
+                <a:pPr algn="ctr"/>
+                <a:r>
+                  <a:rPr lang="en-US" dirty="0" smtClean="0">
+                    <a:solidFill>
+                      <a:schemeClr val="tx1"/>
+                    </a:solidFill>
+                  </a:rPr>
+                  <a:t>I</a:t>
+                </a:r>
+                <a:r>
+                  <a:rPr lang="en-US" baseline="-25000" dirty="0" smtClean="0">
+                    <a:solidFill>
+                      <a:schemeClr val="tx1"/>
+                    </a:solidFill>
+                  </a:rPr>
+                  <a:t>2</a:t>
+                </a:r>
+                <a:r>
+                  <a:rPr lang="en-US" dirty="0" smtClean="0">
+                    <a:solidFill>
+                      <a:schemeClr val="tx1"/>
+                    </a:solidFill>
+                  </a:rPr>
+                  <a:t>: {r1:0},{r2:1} </a:t>
+                </a:r>
+                <a:r>
+                  <a:rPr lang="en-US" dirty="0" smtClean="0">
+                    <a:solidFill>
+                      <a:schemeClr val="tx1"/>
+                    </a:solidFill>
+                    <a:sym typeface="Wingdings"/>
+                  </a:rPr>
+                  <a:t></a:t>
+                </a:r>
+                <a:r>
+                  <a:rPr lang="en-US" dirty="0" smtClean="0">
+                    <a:solidFill>
+                      <a:schemeClr val="tx1"/>
+                    </a:solidFill>
+                  </a:rPr>
+                  <a:t> </a:t>
+                </a:r>
+                <a14:m>
+                  <m:oMath xmlns:m="http://schemas.openxmlformats.org/officeDocument/2006/math">
+                    <m:r>
+                      <a:rPr lang="en-US" i="1">
+                        <a:solidFill>
+                          <a:schemeClr val="tx1"/>
+                        </a:solidFill>
+                        <a:latin typeface="Cambria Math" charset="0"/>
+                        <a:ea typeface="Cambria Math" charset="0"/>
+                        <a:cs typeface="Cambria Math" charset="0"/>
+                        <a:sym typeface="Wingdings"/>
+                      </a:rPr>
+                      <m:t>𝜏</m:t>
+                    </m:r>
+                    <m:r>
+                      <a:rPr lang="en-US" b="0" i="1" baseline="-25000" smtClean="0">
+                        <a:solidFill>
+                          <a:schemeClr val="tx1"/>
+                        </a:solidFill>
+                        <a:latin typeface="Cambria Math" charset="0"/>
+                        <a:ea typeface="Cambria Math" charset="0"/>
+                        <a:cs typeface="Cambria Math" charset="0"/>
+                        <a:sym typeface="Wingdings"/>
+                      </a:rPr>
+                      <m:t>2</m:t>
+                    </m:r>
+                    <m:r>
+                      <a:rPr lang="en-US" i="1">
+                        <a:solidFill>
+                          <a:schemeClr val="tx1"/>
+                        </a:solidFill>
+                        <a:latin typeface="Cambria Math" charset="0"/>
+                        <a:ea typeface="Cambria Math" charset="0"/>
+                        <a:cs typeface="Cambria Math" charset="0"/>
+                        <a:sym typeface="Wingdings"/>
+                      </a:rPr>
+                      <m:t>: </m:t>
+                    </m:r>
+                  </m:oMath>
+                </a14:m>
+                <a:r>
+                  <a:rPr lang="en-US" dirty="0" smtClean="0">
+                    <a:solidFill>
+                      <a:schemeClr val="tx1"/>
+                    </a:solidFill>
+                  </a:rPr>
+                  <a:t>{r1:0,r2:1}</a:t>
+                </a:r>
+                <a:endParaRPr lang="en-US" dirty="0">
+                  <a:solidFill>
+                    <a:schemeClr val="tx1"/>
+                  </a:solidFill>
+                </a:endParaRPr>
+              </a:p>
+            </p:txBody>
+          </p:sp>
+        </mc:Choice>
+        <mc:Fallback>
+          <p:sp>
+            <p:nvSpPr>
+              <p:cNvPr id="21" name="Rounded Rectangle 20"/>
+              <p:cNvSpPr>
+                <a:spLocks noRot="1" noChangeAspect="1" noMove="1" noResize="1" noEditPoints="1" noAdjustHandles="1" noChangeArrowheads="1" noChangeShapeType="1" noTextEdit="1"/>
+              </p:cNvSpPr>
+              <p:nvPr/>
+            </p:nvSpPr>
+            <p:spPr>
+              <a:xfrm>
+                <a:off x="6387366" y="1975360"/>
+                <a:ext cx="2958344" cy="470647"/>
+              </a:xfrm>
+              <a:prstGeom prst="roundRect">
+                <a:avLst/>
+              </a:prstGeom>
+              <a:blipFill rotWithShape="0">
+                <a:blip r:embed="rId9"/>
+                <a:stretch>
+                  <a:fillRect t="-36364" b="-114286"/>
+                </a:stretch>
+              </a:blipFill>
+              <a:ln>
+                <a:noFill/>
+              </a:ln>
+            </p:spPr>
+            <p:txBody>
+              <a:bodyPr/>
+              <a:lstStyle/>
+              <a:p>
+                <a:r>
+                  <a:rPr lang="en-US">
+                    <a:noFill/>
+                  </a:rPr>
+                  <a:t> </a:t>
+                </a:r>
+              </a:p>
+            </p:txBody>
+          </p:sp>
+        </mc:Fallback>
+      </mc:AlternateContent>
+      <mc:AlternateContent xmlns:mc="http://schemas.openxmlformats.org/markup-compatibility/2006">
+        <mc:Choice xmlns:a14="http://schemas.microsoft.com/office/drawing/2010/main" Requires="a14">
+          <p:sp>
+            <p:nvSpPr>
+              <p:cNvPr id="22" name="Rounded Rectangle 21"/>
+              <p:cNvSpPr/>
+              <p:nvPr/>
+            </p:nvSpPr>
+            <p:spPr>
+              <a:xfrm>
+                <a:off x="7510204" y="1175259"/>
+                <a:ext cx="2870930" cy="470647"/>
+              </a:xfrm>
+              <a:prstGeom prst="roundRect">
+                <a:avLst/>
+              </a:prstGeom>
+              <a:noFill/>
+              <a:ln>
+                <a:noFill/>
+              </a:ln>
+            </p:spPr>
+            <p:style>
+              <a:lnRef idx="2">
+                <a:schemeClr val="accent1">
+                  <a:shade val="50000"/>
+                </a:schemeClr>
+              </a:lnRef>
+              <a:fillRef idx="1">
+                <a:schemeClr val="accent1"/>
+              </a:fillRef>
+              <a:effectRef idx="0">
+                <a:schemeClr val="accent1"/>
+              </a:effectRef>
+              <a:fontRef idx="minor">
+                <a:schemeClr val="lt1"/>
+              </a:fontRef>
+            </p:style>
+            <p:txBody>
+              <a:bodyPr rtlCol="0" anchor="ctr"/>
+              <a:lstStyle/>
+              <a:p>
+                <a:pPr algn="ctr"/>
+                <a:r>
+                  <a:rPr lang="en-US" dirty="0" smtClean="0">
+                    <a:solidFill>
+                      <a:schemeClr val="tx1"/>
+                    </a:solidFill>
+                  </a:rPr>
+                  <a:t>I</a:t>
+                </a:r>
+                <a:r>
+                  <a:rPr lang="en-US" baseline="-25000" dirty="0" smtClean="0">
+                    <a:solidFill>
+                      <a:schemeClr val="tx1"/>
+                    </a:solidFill>
+                  </a:rPr>
+                  <a:t>3</a:t>
+                </a:r>
+                <a:r>
+                  <a:rPr lang="en-US" dirty="0" smtClean="0">
+                    <a:solidFill>
+                      <a:schemeClr val="tx1"/>
+                    </a:solidFill>
+                  </a:rPr>
+                  <a:t>: {r1:1},{r2:1} </a:t>
+                </a:r>
+                <a:r>
+                  <a:rPr lang="en-US" dirty="0" smtClean="0">
+                    <a:solidFill>
+                      <a:schemeClr val="tx1"/>
+                    </a:solidFill>
+                    <a:sym typeface="Wingdings"/>
+                  </a:rPr>
+                  <a:t></a:t>
+                </a:r>
+                <a:r>
+                  <a:rPr lang="en-US" dirty="0" smtClean="0">
+                    <a:solidFill>
+                      <a:schemeClr val="tx1"/>
+                    </a:solidFill>
+                  </a:rPr>
+                  <a:t> </a:t>
+                </a:r>
+                <a14:m>
+                  <m:oMath xmlns:m="http://schemas.openxmlformats.org/officeDocument/2006/math">
+                    <m:r>
+                      <a:rPr lang="en-US" i="1">
+                        <a:solidFill>
+                          <a:schemeClr val="tx1"/>
+                        </a:solidFill>
+                        <a:latin typeface="Cambria Math" charset="0"/>
+                        <a:ea typeface="Cambria Math" charset="0"/>
+                        <a:cs typeface="Cambria Math" charset="0"/>
+                        <a:sym typeface="Wingdings"/>
+                      </a:rPr>
+                      <m:t>𝜏</m:t>
+                    </m:r>
+                    <m:r>
+                      <a:rPr lang="en-US" b="0" i="1" baseline="-25000" smtClean="0">
+                        <a:solidFill>
+                          <a:schemeClr val="tx1"/>
+                        </a:solidFill>
+                        <a:latin typeface="Cambria Math" charset="0"/>
+                        <a:ea typeface="Cambria Math" charset="0"/>
+                        <a:cs typeface="Cambria Math" charset="0"/>
+                        <a:sym typeface="Wingdings"/>
+                      </a:rPr>
+                      <m:t>3</m:t>
+                    </m:r>
+                    <m:r>
+                      <a:rPr lang="en-US" i="1">
+                        <a:solidFill>
+                          <a:schemeClr val="tx1"/>
+                        </a:solidFill>
+                        <a:latin typeface="Cambria Math" charset="0"/>
+                        <a:ea typeface="Cambria Math" charset="0"/>
+                        <a:cs typeface="Cambria Math" charset="0"/>
+                        <a:sym typeface="Wingdings"/>
+                      </a:rPr>
+                      <m:t>: </m:t>
+                    </m:r>
+                  </m:oMath>
+                </a14:m>
+                <a:r>
+                  <a:rPr lang="en-US" dirty="0" smtClean="0">
+                    <a:solidFill>
+                      <a:schemeClr val="tx1"/>
+                    </a:solidFill>
+                  </a:rPr>
+                  <a:t>{r1:1,r2:1}</a:t>
+                </a:r>
+                <a:endParaRPr lang="en-US" dirty="0">
+                  <a:solidFill>
+                    <a:schemeClr val="tx1"/>
+                  </a:solidFill>
+                </a:endParaRPr>
+              </a:p>
+            </p:txBody>
+          </p:sp>
+        </mc:Choice>
+        <mc:Fallback>
+          <p:sp>
+            <p:nvSpPr>
+              <p:cNvPr id="22" name="Rounded Rectangle 21"/>
+              <p:cNvSpPr>
+                <a:spLocks noRot="1" noChangeAspect="1" noMove="1" noResize="1" noEditPoints="1" noAdjustHandles="1" noChangeArrowheads="1" noChangeShapeType="1" noTextEdit="1"/>
+              </p:cNvSpPr>
+              <p:nvPr/>
+            </p:nvSpPr>
+            <p:spPr>
+              <a:xfrm>
+                <a:off x="7510204" y="1175259"/>
+                <a:ext cx="2870930" cy="470647"/>
+              </a:xfrm>
+              <a:prstGeom prst="roundRect">
+                <a:avLst/>
+              </a:prstGeom>
+              <a:blipFill rotWithShape="0">
+                <a:blip r:embed="rId10"/>
+                <a:stretch>
+                  <a:fillRect t="-36364" b="-114286"/>
+                </a:stretch>
+              </a:blipFill>
+              <a:ln>
+                <a:noFill/>
+              </a:ln>
+            </p:spPr>
+            <p:txBody>
+              <a:bodyPr/>
+              <a:lstStyle/>
+              <a:p>
+                <a:r>
+                  <a:rPr lang="en-US">
+                    <a:noFill/>
+                  </a:rPr>
+                  <a:t> </a:t>
+                </a:r>
+              </a:p>
+            </p:txBody>
+          </p:sp>
+        </mc:Fallback>
+      </mc:AlternateContent>
+      <p:cxnSp>
+        <p:nvCxnSpPr>
+          <p:cNvPr id="24" name="Straight Arrow Connector 23"/>
+          <p:cNvCxnSpPr>
+            <a:stCxn id="19" idx="2"/>
+            <a:endCxn id="20" idx="0"/>
+          </p:cNvCxnSpPr>
+          <p:nvPr/>
+        </p:nvCxnSpPr>
+        <p:spPr>
+          <a:xfrm flipH="1">
+            <a:off x="6794129" y="794259"/>
+            <a:ext cx="1054766" cy="381002"/>
+          </a:xfrm>
+          <a:prstGeom prst="straightConnector1">
+            <a:avLst/>
+          </a:prstGeom>
+          <a:ln>
+            <a:solidFill>
+              <a:schemeClr val="tx1"/>
+            </a:solidFill>
+            <a:tailEnd type="triangle"/>
+          </a:ln>
+        </p:spPr>
+        <p:style>
+          <a:lnRef idx="1">
+            <a:schemeClr val="accent1"/>
+          </a:lnRef>
+          <a:fillRef idx="0">
+            <a:schemeClr val="accent1"/>
+          </a:fillRef>
+          <a:effectRef idx="0">
+            <a:schemeClr val="accent1"/>
+          </a:effectRef>
+          <a:fontRef idx="minor">
+            <a:schemeClr val="tx1"/>
+          </a:fontRef>
+        </p:style>
+      </p:cxnSp>
+      <p:cxnSp>
+        <p:nvCxnSpPr>
+          <p:cNvPr id="26" name="Straight Arrow Connector 25"/>
+          <p:cNvCxnSpPr>
+            <a:stCxn id="19" idx="2"/>
+            <a:endCxn id="21" idx="0"/>
+          </p:cNvCxnSpPr>
+          <p:nvPr/>
+        </p:nvCxnSpPr>
+        <p:spPr>
+          <a:xfrm>
+            <a:off x="7848895" y="794259"/>
+            <a:ext cx="17643" cy="1181101"/>
+          </a:xfrm>
+          <a:prstGeom prst="straightConnector1">
+            <a:avLst/>
+          </a:prstGeom>
+          <a:ln>
+            <a:solidFill>
+              <a:schemeClr val="tx1"/>
+            </a:solidFill>
+            <a:tailEnd type="triangle"/>
+          </a:ln>
+        </p:spPr>
+        <p:style>
+          <a:lnRef idx="1">
+            <a:schemeClr val="accent1"/>
+          </a:lnRef>
+          <a:fillRef idx="0">
+            <a:schemeClr val="accent1"/>
+          </a:fillRef>
+          <a:effectRef idx="0">
+            <a:schemeClr val="accent1"/>
+          </a:effectRef>
+          <a:fontRef idx="minor">
+            <a:schemeClr val="tx1"/>
+          </a:fontRef>
+        </p:style>
+      </p:cxnSp>
+      <p:cxnSp>
+        <p:nvCxnSpPr>
+          <p:cNvPr id="28" name="Straight Arrow Connector 27"/>
+          <p:cNvCxnSpPr>
+            <a:stCxn id="19" idx="2"/>
+            <a:endCxn id="22" idx="0"/>
+          </p:cNvCxnSpPr>
+          <p:nvPr/>
+        </p:nvCxnSpPr>
+        <p:spPr>
+          <a:xfrm>
+            <a:off x="7848895" y="794259"/>
+            <a:ext cx="1096774" cy="381000"/>
+          </a:xfrm>
+          <a:prstGeom prst="straightConnector1">
+            <a:avLst/>
+          </a:prstGeom>
+          <a:ln>
+            <a:solidFill>
+              <a:schemeClr val="tx1"/>
+            </a:solidFill>
+            <a:tailEnd type="triangle"/>
+          </a:ln>
+        </p:spPr>
+        <p:style>
+          <a:lnRef idx="1">
+            <a:schemeClr val="accent1"/>
+          </a:lnRef>
+          <a:fillRef idx="0">
+            <a:schemeClr val="accent1"/>
+          </a:fillRef>
+          <a:effectRef idx="0">
+            <a:schemeClr val="accent1"/>
+          </a:effectRef>
+          <a:fontRef idx="minor">
+            <a:schemeClr val="tx1"/>
+          </a:fontRef>
+        </p:style>
+      </p:cxnSp>
+      <p:sp>
+        <p:nvSpPr>
+          <p:cNvPr id="29" name="TextBox 28"/>
+          <p:cNvSpPr txBox="1"/>
+          <p:nvPr/>
+        </p:nvSpPr>
+        <p:spPr>
+          <a:xfrm>
+            <a:off x="3361762" y="2622176"/>
+            <a:ext cx="618566" cy="369332"/>
+          </a:xfrm>
+          <a:prstGeom prst="rect">
+            <a:avLst/>
+          </a:prstGeom>
+          <a:noFill/>
+        </p:spPr>
+        <p:txBody>
+          <a:bodyPr wrap="square" rtlCol="0">
+            <a:spAutoFit/>
+          </a:bodyPr>
+          <a:lstStyle/>
+          <a:p>
+            <a:r>
+              <a:rPr lang="en-US" dirty="0" smtClean="0"/>
+              <a:t>(a)</a:t>
+            </a:r>
+            <a:endParaRPr lang="en-US" dirty="0"/>
+          </a:p>
+        </p:txBody>
+      </p:sp>
+      <p:sp>
+        <p:nvSpPr>
+          <p:cNvPr id="30" name="TextBox 29"/>
+          <p:cNvSpPr txBox="1"/>
+          <p:nvPr/>
+        </p:nvSpPr>
+        <p:spPr>
+          <a:xfrm>
+            <a:off x="7705174" y="2545971"/>
+            <a:ext cx="618566" cy="369332"/>
+          </a:xfrm>
+          <a:prstGeom prst="rect">
+            <a:avLst/>
+          </a:prstGeom>
+          <a:noFill/>
+        </p:spPr>
+        <p:txBody>
+          <a:bodyPr wrap="square" rtlCol="0">
+            <a:spAutoFit/>
+          </a:bodyPr>
+          <a:lstStyle/>
+          <a:p>
+            <a:r>
+              <a:rPr lang="en-US" dirty="0" smtClean="0"/>
+              <a:t>(b)</a:t>
+            </a:r>
+            <a:endParaRPr lang="en-US" dirty="0"/>
+          </a:p>
+        </p:txBody>
+      </p:sp>
+    </p:spTree>
+    <p:extLst>
+      <p:ext uri="{BB962C8B-B14F-4D97-AF65-F5344CB8AC3E}">
+        <p14:creationId xmlns:p14="http://schemas.microsoft.com/office/powerpoint/2010/main" val="1277467404"/>
+      </p:ext>
+    </p:extLst>
+  </p:cSld>
+  <p:clrMapOvr>
+    <a:masterClrMapping/>
+  </p:clrMapOvr>
+</p:sld>
+</file>
+
 <file path=ppt/slides/slide2.xml><?xml version="1.0" encoding="utf-8"?>
 <p:sld xmlns:a="http://schemas.openxmlformats.org/drawingml/2006/main" xmlns:r="http://schemas.openxmlformats.org/officeDocument/2006/relationships" xmlns:p="http://schemas.openxmlformats.org/presentationml/2006/main">
   <p:cSld>
@@ -6903,6 +10954,672 @@
     <p:extLst>
       <p:ext uri="{BB962C8B-B14F-4D97-AF65-F5344CB8AC3E}">
         <p14:creationId xmlns:p14="http://schemas.microsoft.com/office/powerpoint/2010/main" val="127615265"/>
+      </p:ext>
+    </p:extLst>
+  </p:cSld>
+  <p:clrMapOvr>
+    <a:masterClrMapping/>
+  </p:clrMapOvr>
+</p:sld>
+</file>
+
+<file path=ppt/slides/slide9.xml><?xml version="1.0" encoding="utf-8"?>
+<p:sld xmlns:a="http://schemas.openxmlformats.org/drawingml/2006/main" xmlns:r="http://schemas.openxmlformats.org/officeDocument/2006/relationships" xmlns:p="http://schemas.openxmlformats.org/presentationml/2006/main">
+  <p:cSld>
+    <p:spTree>
+      <p:nvGrpSpPr>
+        <p:cNvPr id="1" name=""/>
+        <p:cNvGrpSpPr/>
+        <p:nvPr/>
+      </p:nvGrpSpPr>
+      <p:grpSpPr>
+        <a:xfrm>
+          <a:off x="0" y="0"/>
+          <a:ext cx="0" cy="0"/>
+          <a:chOff x="0" y="0"/>
+          <a:chExt cx="0" cy="0"/>
+        </a:xfrm>
+      </p:grpSpPr>
+      <p:sp>
+        <p:nvSpPr>
+          <p:cNvPr id="4" name="Rectangle 3"/>
+          <p:cNvSpPr/>
+          <p:nvPr/>
+        </p:nvSpPr>
+        <p:spPr>
+          <a:xfrm>
+            <a:off x="1638300" y="1244938"/>
+            <a:ext cx="5636260" cy="1384995"/>
+          </a:xfrm>
+          <a:prstGeom prst="rect">
+            <a:avLst/>
+          </a:prstGeom>
+        </p:spPr>
+        <p:txBody>
+          <a:bodyPr wrap="square">
+            <a:spAutoFit/>
+          </a:bodyPr>
+          <a:lstStyle/>
+          <a:p>
+            <a:r>
+              <a:rPr lang="en-US" sz="1200" dirty="0">
+                <a:latin typeface="Arial" charset="0"/>
+                <a:ea typeface="Arial" charset="0"/>
+                <a:cs typeface="Arial" charset="0"/>
+              </a:rPr>
+              <a:t> </a:t>
+            </a:r>
+            <a:r>
+              <a:rPr lang="en-US" sz="1200" dirty="0" smtClean="0">
+                <a:latin typeface="Arial" charset="0"/>
+                <a:ea typeface="Arial" charset="0"/>
+                <a:cs typeface="Arial" charset="0"/>
+              </a:rPr>
+              <a:t>                                            initially</a:t>
+            </a:r>
+            <a:r>
+              <a:rPr lang="en-US" sz="1200" dirty="0">
+                <a:latin typeface="Arial" charset="0"/>
+                <a:ea typeface="Arial" charset="0"/>
+                <a:cs typeface="Arial" charset="0"/>
+              </a:rPr>
+              <a:t>, x=0, </a:t>
+            </a:r>
+            <a:r>
+              <a:rPr lang="en-US" sz="1200" dirty="0" smtClean="0">
+                <a:latin typeface="Arial" charset="0"/>
+                <a:ea typeface="Arial" charset="0"/>
+                <a:cs typeface="Arial" charset="0"/>
+              </a:rPr>
+              <a:t>y=1, z=0;                        </a:t>
+            </a:r>
+          </a:p>
+          <a:p>
+            <a:r>
+              <a:rPr lang="en-US" sz="1200" dirty="0">
+                <a:latin typeface="Arial" charset="0"/>
+                <a:ea typeface="Arial" charset="0"/>
+                <a:cs typeface="Arial" charset="0"/>
+              </a:rPr>
+              <a:t> </a:t>
+            </a:r>
+            <a:r>
+              <a:rPr lang="en-US" sz="1200" dirty="0" smtClean="0">
+                <a:latin typeface="Arial" charset="0"/>
+                <a:ea typeface="Arial" charset="0"/>
+                <a:cs typeface="Arial" charset="0"/>
+              </a:rPr>
+              <a:t>                                T1                                                   T2</a:t>
+            </a:r>
+          </a:p>
+          <a:p>
+            <a:r>
+              <a:rPr lang="en-US" sz="1200" dirty="0" smtClean="0">
+                <a:latin typeface="Arial" charset="0"/>
+                <a:ea typeface="Arial" charset="0"/>
+                <a:cs typeface="Arial" charset="0"/>
+              </a:rPr>
+              <a:t>1. a </a:t>
+            </a:r>
+            <a:r>
+              <a:rPr lang="en-US" sz="1200" dirty="0">
+                <a:latin typeface="Arial" charset="0"/>
+                <a:ea typeface="Arial" charset="0"/>
+                <a:cs typeface="Arial" charset="0"/>
+              </a:rPr>
+              <a:t>= </a:t>
+            </a:r>
+            <a:r>
+              <a:rPr lang="en-US" sz="1200" dirty="0" err="1">
+                <a:latin typeface="Arial" charset="0"/>
+                <a:ea typeface="Arial" charset="0"/>
+                <a:cs typeface="Arial" charset="0"/>
+              </a:rPr>
+              <a:t>x.load</a:t>
+            </a:r>
+            <a:r>
+              <a:rPr lang="en-US" sz="1200" dirty="0">
+                <a:latin typeface="Arial" charset="0"/>
+                <a:ea typeface="Arial" charset="0"/>
+                <a:cs typeface="Arial" charset="0"/>
+              </a:rPr>
+              <a:t>(</a:t>
+            </a:r>
+            <a:r>
+              <a:rPr lang="en-US" sz="1200" dirty="0" err="1">
+                <a:latin typeface="Arial" charset="0"/>
+                <a:ea typeface="Arial" charset="0"/>
+                <a:cs typeface="Arial" charset="0"/>
+              </a:rPr>
+              <a:t>memory_order_relaxed</a:t>
+            </a:r>
+            <a:r>
+              <a:rPr lang="en-US" sz="1200" dirty="0">
+                <a:latin typeface="Arial" charset="0"/>
+                <a:ea typeface="Arial" charset="0"/>
+                <a:cs typeface="Arial" charset="0"/>
+              </a:rPr>
+              <a:t>);     </a:t>
+            </a:r>
+            <a:r>
+              <a:rPr lang="en-US" sz="1200" dirty="0" smtClean="0">
+                <a:latin typeface="Arial" charset="0"/>
+                <a:ea typeface="Arial" charset="0"/>
+                <a:cs typeface="Arial" charset="0"/>
+              </a:rPr>
+              <a:t>6. d </a:t>
+            </a:r>
+            <a:r>
+              <a:rPr lang="en-US" sz="1200" dirty="0">
+                <a:latin typeface="Arial" charset="0"/>
+                <a:ea typeface="Arial" charset="0"/>
+                <a:cs typeface="Arial" charset="0"/>
+              </a:rPr>
+              <a:t>= </a:t>
+            </a:r>
+            <a:r>
+              <a:rPr lang="en-US" sz="1200" dirty="0" err="1">
+                <a:latin typeface="Arial" charset="0"/>
+                <a:ea typeface="Arial" charset="0"/>
+                <a:cs typeface="Arial" charset="0"/>
+              </a:rPr>
+              <a:t>y.load</a:t>
+            </a:r>
+            <a:r>
+              <a:rPr lang="en-US" sz="1200" dirty="0">
+                <a:latin typeface="Arial" charset="0"/>
+                <a:ea typeface="Arial" charset="0"/>
+                <a:cs typeface="Arial" charset="0"/>
+              </a:rPr>
+              <a:t>(</a:t>
+            </a:r>
+            <a:r>
+              <a:rPr lang="en-US" sz="1200" dirty="0" err="1">
+                <a:latin typeface="Arial" charset="0"/>
+                <a:ea typeface="Arial" charset="0"/>
+                <a:cs typeface="Arial" charset="0"/>
+              </a:rPr>
+              <a:t>memory_order_relaxed</a:t>
+            </a:r>
+            <a:r>
+              <a:rPr lang="en-US" sz="1200" dirty="0" smtClean="0">
+                <a:latin typeface="Arial" charset="0"/>
+                <a:ea typeface="Arial" charset="0"/>
+                <a:cs typeface="Arial" charset="0"/>
+              </a:rPr>
+              <a:t>);</a:t>
+            </a:r>
+          </a:p>
+          <a:p>
+            <a:r>
+              <a:rPr lang="en-US" sz="1200" dirty="0" smtClean="0">
+                <a:latin typeface="Arial" charset="0"/>
+                <a:ea typeface="Arial" charset="0"/>
+                <a:cs typeface="Arial" charset="0"/>
+              </a:rPr>
+              <a:t>2</a:t>
+            </a:r>
+            <a:r>
+              <a:rPr lang="en-US" sz="1200" dirty="0">
+                <a:latin typeface="Arial" charset="0"/>
+                <a:ea typeface="Arial" charset="0"/>
+                <a:cs typeface="Arial" charset="0"/>
+              </a:rPr>
+              <a:t>. b = </a:t>
+            </a:r>
+            <a:r>
+              <a:rPr lang="en-US" sz="1200" dirty="0" err="1">
+                <a:latin typeface="Arial" charset="0"/>
+                <a:ea typeface="Arial" charset="0"/>
+                <a:cs typeface="Arial" charset="0"/>
+              </a:rPr>
+              <a:t>x.load</a:t>
+            </a:r>
+            <a:r>
+              <a:rPr lang="en-US" sz="1200" dirty="0">
+                <a:latin typeface="Arial" charset="0"/>
+                <a:ea typeface="Arial" charset="0"/>
+                <a:cs typeface="Arial" charset="0"/>
+              </a:rPr>
+              <a:t>(</a:t>
+            </a:r>
+            <a:r>
+              <a:rPr lang="en-US" sz="1200" dirty="0" err="1">
+                <a:latin typeface="Arial" charset="0"/>
+                <a:ea typeface="Arial" charset="0"/>
+                <a:cs typeface="Arial" charset="0"/>
+              </a:rPr>
+              <a:t>memory_order_relaxed</a:t>
+            </a:r>
+            <a:r>
+              <a:rPr lang="en-US" sz="1200" dirty="0">
+                <a:latin typeface="Arial" charset="0"/>
+                <a:ea typeface="Arial" charset="0"/>
+                <a:cs typeface="Arial" charset="0"/>
+              </a:rPr>
+              <a:t>); </a:t>
+            </a:r>
+            <a:r>
+              <a:rPr lang="en-US" sz="1200" dirty="0" smtClean="0">
+                <a:latin typeface="Arial" charset="0"/>
+                <a:ea typeface="Arial" charset="0"/>
+                <a:cs typeface="Arial" charset="0"/>
+              </a:rPr>
+              <a:t>    7. </a:t>
+            </a:r>
+            <a:r>
+              <a:rPr lang="en-US" sz="1200" dirty="0" err="1">
+                <a:latin typeface="Arial" charset="0"/>
+                <a:ea typeface="Arial" charset="0"/>
+                <a:cs typeface="Arial" charset="0"/>
+              </a:rPr>
+              <a:t>x.store</a:t>
+            </a:r>
+            <a:r>
+              <a:rPr lang="en-US" sz="1200" dirty="0">
+                <a:latin typeface="Arial" charset="0"/>
+                <a:ea typeface="Arial" charset="0"/>
+                <a:cs typeface="Arial" charset="0"/>
+              </a:rPr>
+              <a:t>(c, </a:t>
+            </a:r>
+            <a:r>
+              <a:rPr lang="en-US" sz="1200" dirty="0" err="1">
+                <a:latin typeface="Arial" charset="0"/>
+                <a:ea typeface="Arial" charset="0"/>
+                <a:cs typeface="Arial" charset="0"/>
+              </a:rPr>
+              <a:t>memory_order_relaxed</a:t>
+            </a:r>
+            <a:r>
+              <a:rPr lang="en-US" sz="1200" dirty="0" smtClean="0">
+                <a:latin typeface="Arial" charset="0"/>
+                <a:ea typeface="Arial" charset="0"/>
+                <a:cs typeface="Arial" charset="0"/>
+              </a:rPr>
+              <a:t>);</a:t>
+            </a:r>
+          </a:p>
+          <a:p>
+            <a:r>
+              <a:rPr lang="en-US" sz="1200" dirty="0" smtClean="0">
+                <a:latin typeface="Arial" charset="0"/>
+                <a:ea typeface="Arial" charset="0"/>
+                <a:cs typeface="Arial" charset="0"/>
+              </a:rPr>
+              <a:t>3. c </a:t>
+            </a:r>
+            <a:r>
+              <a:rPr lang="en-US" sz="1200" dirty="0">
+                <a:latin typeface="Arial" charset="0"/>
+                <a:ea typeface="Arial" charset="0"/>
+                <a:cs typeface="Arial" charset="0"/>
+              </a:rPr>
+              <a:t>= </a:t>
+            </a:r>
+            <a:r>
+              <a:rPr lang="en-US" sz="1200" dirty="0" err="1" smtClean="0">
+                <a:latin typeface="Arial" charset="0"/>
+                <a:ea typeface="Arial" charset="0"/>
+                <a:cs typeface="Arial" charset="0"/>
+              </a:rPr>
+              <a:t>z.load</a:t>
+            </a:r>
+            <a:r>
+              <a:rPr lang="en-US" sz="1200" dirty="0" smtClean="0">
+                <a:latin typeface="Arial" charset="0"/>
+                <a:ea typeface="Arial" charset="0"/>
+                <a:cs typeface="Arial" charset="0"/>
+              </a:rPr>
+              <a:t>(</a:t>
+            </a:r>
+            <a:r>
+              <a:rPr lang="en-US" sz="1200" dirty="0" err="1" smtClean="0">
+                <a:latin typeface="Arial" charset="0"/>
+                <a:ea typeface="Arial" charset="0"/>
+                <a:cs typeface="Arial" charset="0"/>
+              </a:rPr>
+              <a:t>memory_order_relaxed</a:t>
+            </a:r>
+            <a:r>
+              <a:rPr lang="en-US" sz="1200" dirty="0" smtClean="0">
+                <a:latin typeface="Arial" charset="0"/>
+                <a:ea typeface="Arial" charset="0"/>
+                <a:cs typeface="Arial" charset="0"/>
+              </a:rPr>
+              <a:t>);     8. </a:t>
+            </a:r>
+            <a:r>
+              <a:rPr lang="en-US" sz="1200" dirty="0" err="1" smtClean="0">
+                <a:latin typeface="Arial" charset="0"/>
+                <a:ea typeface="Arial" charset="0"/>
+                <a:cs typeface="Arial" charset="0"/>
+              </a:rPr>
+              <a:t>z.store</a:t>
+            </a:r>
+            <a:r>
+              <a:rPr lang="en-US" sz="1200" dirty="0" smtClean="0">
+                <a:latin typeface="Arial" charset="0"/>
+                <a:ea typeface="Arial" charset="0"/>
+                <a:cs typeface="Arial" charset="0"/>
+              </a:rPr>
+              <a:t>(1, </a:t>
+            </a:r>
+            <a:r>
+              <a:rPr lang="en-US" sz="1200" dirty="0" err="1" smtClean="0">
+                <a:latin typeface="Arial" charset="0"/>
+                <a:ea typeface="Arial" charset="0"/>
+                <a:cs typeface="Arial" charset="0"/>
+              </a:rPr>
+              <a:t>memory_order_relaxed</a:t>
+            </a:r>
+            <a:r>
+              <a:rPr lang="en-US" sz="1200" dirty="0" smtClean="0">
+                <a:latin typeface="Arial" charset="0"/>
+                <a:ea typeface="Arial" charset="0"/>
+                <a:cs typeface="Arial" charset="0"/>
+              </a:rPr>
+              <a:t>);</a:t>
+            </a:r>
+          </a:p>
+          <a:p>
+            <a:r>
+              <a:rPr lang="en-US" sz="1200" dirty="0" smtClean="0">
+                <a:latin typeface="Arial" charset="0"/>
+                <a:ea typeface="Arial" charset="0"/>
+                <a:cs typeface="Arial" charset="0"/>
+              </a:rPr>
+              <a:t>4. </a:t>
+            </a:r>
+            <a:r>
+              <a:rPr lang="en-US" sz="1200" dirty="0">
+                <a:latin typeface="Arial" charset="0"/>
+                <a:ea typeface="Arial" charset="0"/>
+                <a:cs typeface="Arial" charset="0"/>
+              </a:rPr>
+              <a:t>if (a == b) </a:t>
+            </a:r>
+            <a:endParaRPr lang="en-US" sz="1200" dirty="0" smtClean="0">
+              <a:latin typeface="Arial" charset="0"/>
+              <a:ea typeface="Arial" charset="0"/>
+              <a:cs typeface="Arial" charset="0"/>
+            </a:endParaRPr>
+          </a:p>
+          <a:p>
+            <a:pPr marL="228600" indent="-228600">
+              <a:buAutoNum type="arabicPeriod" startAt="5"/>
+            </a:pPr>
+            <a:r>
+              <a:rPr lang="en-US" sz="1200" dirty="0" err="1" smtClean="0">
+                <a:latin typeface="Arial" charset="0"/>
+                <a:ea typeface="Arial" charset="0"/>
+                <a:cs typeface="Arial" charset="0"/>
+              </a:rPr>
+              <a:t>y.store</a:t>
+            </a:r>
+            <a:r>
+              <a:rPr lang="en-US" sz="1200" dirty="0" smtClean="0">
+                <a:latin typeface="Arial" charset="0"/>
+                <a:ea typeface="Arial" charset="0"/>
+                <a:cs typeface="Arial" charset="0"/>
+              </a:rPr>
+              <a:t>(2</a:t>
+            </a:r>
+            <a:r>
+              <a:rPr lang="en-US" sz="1200" dirty="0">
+                <a:latin typeface="Arial" charset="0"/>
+                <a:ea typeface="Arial" charset="0"/>
+                <a:cs typeface="Arial" charset="0"/>
+              </a:rPr>
+              <a:t>, </a:t>
+            </a:r>
+            <a:r>
+              <a:rPr lang="en-US" sz="1200" dirty="0" err="1">
+                <a:latin typeface="Arial" charset="0"/>
+                <a:ea typeface="Arial" charset="0"/>
+                <a:cs typeface="Arial" charset="0"/>
+              </a:rPr>
+              <a:t>memory_order_relaxed</a:t>
+            </a:r>
+            <a:r>
+              <a:rPr lang="en-US" sz="1200" dirty="0" smtClean="0">
+                <a:latin typeface="Arial" charset="0"/>
+                <a:ea typeface="Arial" charset="0"/>
+                <a:cs typeface="Arial" charset="0"/>
+              </a:rPr>
+              <a:t>);</a:t>
+            </a:r>
+          </a:p>
+        </p:txBody>
+      </p:sp>
+      <p:sp>
+        <p:nvSpPr>
+          <p:cNvPr id="5" name="Rectangle 4"/>
+          <p:cNvSpPr/>
+          <p:nvPr/>
+        </p:nvSpPr>
+        <p:spPr>
+          <a:xfrm>
+            <a:off x="2938780" y="2608918"/>
+            <a:ext cx="2781300" cy="276999"/>
+          </a:xfrm>
+          <a:prstGeom prst="rect">
+            <a:avLst/>
+          </a:prstGeom>
+        </p:spPr>
+        <p:txBody>
+          <a:bodyPr wrap="square">
+            <a:spAutoFit/>
+          </a:bodyPr>
+          <a:lstStyle/>
+          <a:p>
+            <a:r>
+              <a:rPr lang="en-US" sz="1200" dirty="0" err="1" smtClean="0">
+                <a:latin typeface="Arial" charset="0"/>
+                <a:ea typeface="Arial" charset="0"/>
+                <a:cs typeface="Arial" charset="0"/>
+              </a:rPr>
+              <a:t>printf</a:t>
+            </a:r>
+            <a:r>
+              <a:rPr lang="en-US" sz="1200" dirty="0" smtClean="0">
+                <a:latin typeface="Arial" charset="0"/>
+                <a:ea typeface="Arial" charset="0"/>
+                <a:cs typeface="Arial" charset="0"/>
+              </a:rPr>
+              <a:t>(” %d, %d, %d, %d\n”, a, b, c, d);</a:t>
+            </a:r>
+          </a:p>
+        </p:txBody>
+      </p:sp>
+      <p:sp>
+        <p:nvSpPr>
+          <p:cNvPr id="7" name="Rectangle 6"/>
+          <p:cNvSpPr/>
+          <p:nvPr/>
+        </p:nvSpPr>
+        <p:spPr>
+          <a:xfrm>
+            <a:off x="1790700" y="2936022"/>
+            <a:ext cx="5626100" cy="461665"/>
+          </a:xfrm>
+          <a:prstGeom prst="rect">
+            <a:avLst/>
+          </a:prstGeom>
+        </p:spPr>
+        <p:txBody>
+          <a:bodyPr wrap="square">
+            <a:spAutoFit/>
+          </a:bodyPr>
+          <a:lstStyle/>
+          <a:p>
+            <a:r>
+              <a:rPr lang="en-US" sz="1200" dirty="0" smtClean="0">
+                <a:latin typeface="Arial" charset="0"/>
+                <a:ea typeface="Arial" charset="0"/>
+                <a:cs typeface="Arial" charset="0"/>
+              </a:rPr>
+              <a:t>E</a:t>
+            </a:r>
+            <a:r>
+              <a:rPr lang="en-US" sz="1200" baseline="-25000" dirty="0" smtClean="0">
+                <a:latin typeface="Arial" charset="0"/>
+                <a:ea typeface="Arial" charset="0"/>
+                <a:cs typeface="Arial" charset="0"/>
+              </a:rPr>
+              <a:t>0</a:t>
+            </a:r>
+            <a:r>
+              <a:rPr lang="en-US" sz="1200" dirty="0" smtClean="0">
+                <a:latin typeface="Arial" charset="0"/>
+                <a:ea typeface="Arial" charset="0"/>
+                <a:cs typeface="Arial" charset="0"/>
+              </a:rPr>
+              <a:t> -- Output: 1 1 0 1   (Consistent)           E</a:t>
+            </a:r>
+            <a:r>
+              <a:rPr lang="en-US" sz="1200" baseline="-25000" dirty="0" smtClean="0">
+                <a:latin typeface="Arial" charset="0"/>
+                <a:ea typeface="Arial" charset="0"/>
+                <a:cs typeface="Arial" charset="0"/>
+              </a:rPr>
+              <a:t>2</a:t>
+            </a:r>
+            <a:r>
+              <a:rPr lang="en-US" sz="1200" dirty="0" smtClean="0">
+                <a:latin typeface="Arial" charset="0"/>
+                <a:ea typeface="Arial" charset="0"/>
+                <a:cs typeface="Arial" charset="0"/>
+              </a:rPr>
+              <a:t> </a:t>
+            </a:r>
+            <a:r>
+              <a:rPr lang="en-US" sz="1200" dirty="0">
+                <a:latin typeface="Arial" charset="0"/>
+                <a:ea typeface="Arial" charset="0"/>
+                <a:cs typeface="Arial" charset="0"/>
+              </a:rPr>
+              <a:t>-- Output: 0 0 0 2   (Consistent</a:t>
+            </a:r>
+            <a:r>
+              <a:rPr lang="en-US" sz="1200" dirty="0" smtClean="0">
+                <a:latin typeface="Arial" charset="0"/>
+                <a:ea typeface="Arial" charset="0"/>
+                <a:cs typeface="Arial" charset="0"/>
+              </a:rPr>
+              <a:t>)</a:t>
+            </a:r>
+          </a:p>
+          <a:p>
+            <a:r>
+              <a:rPr lang="en-US" sz="1200" dirty="0" smtClean="0">
+                <a:latin typeface="Arial" charset="0"/>
+                <a:ea typeface="Arial" charset="0"/>
+                <a:cs typeface="Arial" charset="0"/>
+              </a:rPr>
+              <a:t>E</a:t>
+            </a:r>
+            <a:r>
+              <a:rPr lang="en-US" sz="1200" baseline="-25000" dirty="0" smtClean="0">
+                <a:latin typeface="Arial" charset="0"/>
+                <a:ea typeface="Arial" charset="0"/>
+                <a:cs typeface="Arial" charset="0"/>
+              </a:rPr>
+              <a:t>1</a:t>
+            </a:r>
+            <a:r>
+              <a:rPr lang="en-US" sz="1200" dirty="0" smtClean="0">
+                <a:latin typeface="Arial" charset="0"/>
+                <a:ea typeface="Arial" charset="0"/>
+                <a:cs typeface="Arial" charset="0"/>
+              </a:rPr>
+              <a:t> -- Output: 1 1 0 2   (Inconsistent)         E</a:t>
+            </a:r>
+            <a:r>
+              <a:rPr lang="en-US" sz="1200" baseline="-25000" dirty="0" smtClean="0">
+                <a:latin typeface="Arial" charset="0"/>
+                <a:ea typeface="Arial" charset="0"/>
+                <a:cs typeface="Arial" charset="0"/>
+              </a:rPr>
+              <a:t>3</a:t>
+            </a:r>
+            <a:r>
+              <a:rPr lang="en-US" sz="1200" dirty="0" smtClean="0">
+                <a:latin typeface="Arial" charset="0"/>
+                <a:ea typeface="Arial" charset="0"/>
+                <a:cs typeface="Arial" charset="0"/>
+              </a:rPr>
+              <a:t> </a:t>
+            </a:r>
+            <a:r>
+              <a:rPr lang="en-US" sz="1200" dirty="0">
+                <a:latin typeface="Arial" charset="0"/>
+                <a:ea typeface="Arial" charset="0"/>
+                <a:cs typeface="Arial" charset="0"/>
+              </a:rPr>
+              <a:t>-- Output: 0 0 1 2   (Consistent</a:t>
+            </a:r>
+            <a:r>
+              <a:rPr lang="en-US" sz="1200" dirty="0" smtClean="0">
+                <a:latin typeface="Arial" charset="0"/>
+                <a:ea typeface="Arial" charset="0"/>
+                <a:cs typeface="Arial" charset="0"/>
+              </a:rPr>
+              <a:t>)</a:t>
+            </a:r>
+          </a:p>
+        </p:txBody>
+      </p:sp>
+      <p:sp>
+        <p:nvSpPr>
+          <p:cNvPr id="9" name="Rounded Rectangle 8"/>
+          <p:cNvSpPr/>
+          <p:nvPr/>
+        </p:nvSpPr>
+        <p:spPr>
+          <a:xfrm>
+            <a:off x="1668780" y="1255098"/>
+            <a:ext cx="5483860" cy="1640979"/>
+          </a:xfrm>
+          <a:prstGeom prst="roundRect">
+            <a:avLst/>
+          </a:prstGeom>
+          <a:noFill/>
+          <a:ln>
+            <a:solidFill>
+              <a:srgbClr val="002060"/>
+            </a:solidFill>
+          </a:ln>
+        </p:spPr>
+        <p:style>
+          <a:lnRef idx="2">
+            <a:schemeClr val="accent1">
+              <a:shade val="50000"/>
+            </a:schemeClr>
+          </a:lnRef>
+          <a:fillRef idx="1">
+            <a:schemeClr val="accent1"/>
+          </a:fillRef>
+          <a:effectRef idx="0">
+            <a:schemeClr val="accent1"/>
+          </a:effectRef>
+          <a:fontRef idx="minor">
+            <a:schemeClr val="lt1"/>
+          </a:fontRef>
+        </p:style>
+        <p:txBody>
+          <a:bodyPr rtlCol="0" anchor="ctr"/>
+          <a:lstStyle/>
+          <a:p>
+            <a:pPr algn="ctr"/>
+            <a:endParaRPr lang="en-US"/>
+          </a:p>
+        </p:txBody>
+      </p:sp>
+    </p:spTree>
+    <p:extLst>
+      <p:ext uri="{BB962C8B-B14F-4D97-AF65-F5344CB8AC3E}">
+        <p14:creationId xmlns:p14="http://schemas.microsoft.com/office/powerpoint/2010/main" val="1382517137"/>
       </p:ext>
     </p:extLst>
   </p:cSld>
